--- a/Ppt/BG12_CRA_Ppt.pptx
+++ b/Ppt/BG12_CRA_Ppt.pptx
@@ -5,7 +5,7 @@
     <p:sldMasterId id="2147483648" r:id="rId1"/>
   </p:sldMasterIdLst>
   <p:notesMasterIdLst>
-    <p:notesMasterId r:id="rId17"/>
+    <p:notesMasterId r:id="rId19"/>
   </p:notesMasterIdLst>
   <p:sldIdLst>
     <p:sldId id="257" r:id="rId2"/>
@@ -17,12 +17,14 @@
     <p:sldId id="265" r:id="rId8"/>
     <p:sldId id="266" r:id="rId9"/>
     <p:sldId id="267" r:id="rId10"/>
-    <p:sldId id="268" r:id="rId11"/>
-    <p:sldId id="269" r:id="rId12"/>
-    <p:sldId id="270" r:id="rId13"/>
-    <p:sldId id="271" r:id="rId14"/>
-    <p:sldId id="272" r:id="rId15"/>
-    <p:sldId id="260" r:id="rId16"/>
+    <p:sldId id="269" r:id="rId11"/>
+    <p:sldId id="270" r:id="rId12"/>
+    <p:sldId id="273" r:id="rId13"/>
+    <p:sldId id="274" r:id="rId14"/>
+    <p:sldId id="275" r:id="rId15"/>
+    <p:sldId id="271" r:id="rId16"/>
+    <p:sldId id="272" r:id="rId17"/>
+    <p:sldId id="260" r:id="rId18"/>
   </p:sldIdLst>
   <p:sldSz cx="12192000" cy="6858000"/>
   <p:notesSz cx="6858000" cy="9144000"/>
@@ -211,7 +213,7 @@
           <a:p>
             <a:fld id="{E23BBBA0-F690-4020-95FC-FF9F981E4B9B}" type="datetimeFigureOut">
               <a:rPr lang="en-IN" smtClean="0"/>
-              <a:t>06-11-2022</a:t>
+              <a:t>24-04-2023</a:t>
             </a:fld>
             <a:endParaRPr lang="en-IN"/>
           </a:p>
@@ -628,7 +630,7 @@
           <a:p>
             <a:fld id="{B3F75160-E968-40C6-8120-D928B39B25D5}" type="datetimeFigureOut">
               <a:rPr lang="en-IN" smtClean="0"/>
-              <a:t>06-11-2022</a:t>
+              <a:t>24-04-2023</a:t>
             </a:fld>
             <a:endParaRPr lang="en-IN"/>
           </a:p>
@@ -828,7 +830,7 @@
           <a:p>
             <a:fld id="{B3F75160-E968-40C6-8120-D928B39B25D5}" type="datetimeFigureOut">
               <a:rPr lang="en-IN" smtClean="0"/>
-              <a:t>06-11-2022</a:t>
+              <a:t>24-04-2023</a:t>
             </a:fld>
             <a:endParaRPr lang="en-IN"/>
           </a:p>
@@ -1038,7 +1040,7 @@
           <a:p>
             <a:fld id="{B3F75160-E968-40C6-8120-D928B39B25D5}" type="datetimeFigureOut">
               <a:rPr lang="en-IN" smtClean="0"/>
-              <a:t>06-11-2022</a:t>
+              <a:t>24-04-2023</a:t>
             </a:fld>
             <a:endParaRPr lang="en-IN"/>
           </a:p>
@@ -1238,7 +1240,7 @@
           <a:p>
             <a:fld id="{B3F75160-E968-40C6-8120-D928B39B25D5}" type="datetimeFigureOut">
               <a:rPr lang="en-IN" smtClean="0"/>
-              <a:t>06-11-2022</a:t>
+              <a:t>24-04-2023</a:t>
             </a:fld>
             <a:endParaRPr lang="en-IN"/>
           </a:p>
@@ -1514,7 +1516,7 @@
           <a:p>
             <a:fld id="{B3F75160-E968-40C6-8120-D928B39B25D5}" type="datetimeFigureOut">
               <a:rPr lang="en-IN" smtClean="0"/>
-              <a:t>06-11-2022</a:t>
+              <a:t>24-04-2023</a:t>
             </a:fld>
             <a:endParaRPr lang="en-IN"/>
           </a:p>
@@ -1782,7 +1784,7 @@
           <a:p>
             <a:fld id="{B3F75160-E968-40C6-8120-D928B39B25D5}" type="datetimeFigureOut">
               <a:rPr lang="en-IN" smtClean="0"/>
-              <a:t>06-11-2022</a:t>
+              <a:t>24-04-2023</a:t>
             </a:fld>
             <a:endParaRPr lang="en-IN"/>
           </a:p>
@@ -2197,7 +2199,7 @@
           <a:p>
             <a:fld id="{B3F75160-E968-40C6-8120-D928B39B25D5}" type="datetimeFigureOut">
               <a:rPr lang="en-IN" smtClean="0"/>
-              <a:t>06-11-2022</a:t>
+              <a:t>24-04-2023</a:t>
             </a:fld>
             <a:endParaRPr lang="en-IN"/>
           </a:p>
@@ -2339,7 +2341,7 @@
           <a:p>
             <a:fld id="{B3F75160-E968-40C6-8120-D928B39B25D5}" type="datetimeFigureOut">
               <a:rPr lang="en-IN" smtClean="0"/>
-              <a:t>06-11-2022</a:t>
+              <a:t>24-04-2023</a:t>
             </a:fld>
             <a:endParaRPr lang="en-IN"/>
           </a:p>
@@ -2452,7 +2454,7 @@
           <a:p>
             <a:fld id="{B3F75160-E968-40C6-8120-D928B39B25D5}" type="datetimeFigureOut">
               <a:rPr lang="en-IN" smtClean="0"/>
-              <a:t>06-11-2022</a:t>
+              <a:t>24-04-2023</a:t>
             </a:fld>
             <a:endParaRPr lang="en-IN"/>
           </a:p>
@@ -2765,7 +2767,7 @@
           <a:p>
             <a:fld id="{B3F75160-E968-40C6-8120-D928B39B25D5}" type="datetimeFigureOut">
               <a:rPr lang="en-IN" smtClean="0"/>
-              <a:t>06-11-2022</a:t>
+              <a:t>24-04-2023</a:t>
             </a:fld>
             <a:endParaRPr lang="en-IN"/>
           </a:p>
@@ -3054,7 +3056,7 @@
           <a:p>
             <a:fld id="{B3F75160-E968-40C6-8120-D928B39B25D5}" type="datetimeFigureOut">
               <a:rPr lang="en-IN" smtClean="0"/>
-              <a:t>06-11-2022</a:t>
+              <a:t>24-04-2023</a:t>
             </a:fld>
             <a:endParaRPr lang="en-IN"/>
           </a:p>
@@ -3297,7 +3299,7 @@
           <a:p>
             <a:fld id="{B3F75160-E968-40C6-8120-D928B39B25D5}" type="datetimeFigureOut">
               <a:rPr lang="en-IN" smtClean="0"/>
-              <a:t>06-11-2022</a:t>
+              <a:t>24-04-2023</a:t>
             </a:fld>
             <a:endParaRPr lang="en-IN"/>
           </a:p>
@@ -3753,36 +3755,34 @@
                   </a:schemeClr>
                 </a:solidFill>
               </a:rPr>
-              <a:t>CRIME RATE </a:t>
-            </a:r>
-            <a:r>
-              <a:rPr lang="en-US" sz="4000" dirty="0" smtClean="0">
+              <a:t>CRIME RATE ANALYSIS</a:t>
+            </a:r>
+          </a:p>
+          <a:p>
+            <a:pPr marL="0" indent="0" algn="ctr">
+              <a:buNone/>
+            </a:pPr>
+            <a:endParaRPr lang="en-US" dirty="0"/>
+          </a:p>
+          <a:p>
+            <a:pPr marL="0" indent="0" algn="ctr">
+              <a:buNone/>
+            </a:pPr>
+            <a:r>
+              <a:rPr lang="en-US" dirty="0">
                 <a:solidFill>
-                  <a:schemeClr val="accent1">
-                    <a:lumMod val="75000"/>
-                  </a:schemeClr>
+                  <a:srgbClr val="C00000"/>
                 </a:solidFill>
               </a:rPr>
-              <a:t>ANALYSIS</a:t>
-            </a:r>
-          </a:p>
-          <a:p>
-            <a:pPr marL="0" indent="0" algn="ctr">
-              <a:buNone/>
-            </a:pPr>
-            <a:endParaRPr lang="en-US" dirty="0"/>
-          </a:p>
-          <a:p>
-            <a:pPr marL="0" indent="0" algn="ctr">
-              <a:buNone/>
-            </a:pPr>
+              <a:t>        </a:t>
+            </a:r>
             <a:r>
               <a:rPr lang="en-US" dirty="0" smtClean="0">
                 <a:solidFill>
                   <a:srgbClr val="C00000"/>
                 </a:solidFill>
               </a:rPr>
-              <a:t>        20 </a:t>
+              <a:t>28 </a:t>
             </a:r>
             <a:r>
               <a:rPr lang="en-US" dirty="0" err="1">
@@ -3801,7 +3801,7 @@
               <a:t> </a:t>
             </a:r>
             <a:r>
-              <a:rPr lang="en-US" dirty="0" err="1" smtClean="0">
+              <a:rPr lang="en-US" dirty="0" err="1">
                 <a:solidFill>
                   <a:srgbClr val="C00000"/>
                 </a:solidFill>
@@ -3824,7 +3824,7 @@
                   <a:srgbClr val="C00000"/>
                 </a:solidFill>
               </a:rPr>
-              <a:t>37 </a:t>
+              <a:t>50 </a:t>
             </a:r>
             <a:r>
               <a:rPr lang="en-US" dirty="0">
@@ -3853,12 +3853,20 @@
               <a:buNone/>
             </a:pPr>
             <a:r>
+              <a:rPr lang="en-US" dirty="0">
+                <a:solidFill>
+                  <a:srgbClr val="C00000"/>
+                </a:solidFill>
+              </a:rPr>
+              <a:t>   </a:t>
+            </a:r>
+            <a:r>
               <a:rPr lang="en-US" dirty="0" smtClean="0">
                 <a:solidFill>
                   <a:srgbClr val="C00000"/>
                 </a:solidFill>
               </a:rPr>
-              <a:t>   39 </a:t>
+              <a:t>52 </a:t>
             </a:r>
             <a:r>
               <a:rPr lang="en-US" dirty="0">
@@ -3887,12 +3895,20 @@
               <a:buNone/>
             </a:pPr>
             <a:r>
+              <a:rPr lang="en-US" dirty="0">
+                <a:solidFill>
+                  <a:srgbClr val="C00000"/>
+                </a:solidFill>
+              </a:rPr>
+              <a:t>   </a:t>
+            </a:r>
+            <a:r>
               <a:rPr lang="en-US" dirty="0" smtClean="0">
                 <a:solidFill>
                   <a:srgbClr val="C00000"/>
                 </a:solidFill>
               </a:rPr>
-              <a:t>   48 </a:t>
+              <a:t>64 </a:t>
             </a:r>
             <a:r>
               <a:rPr lang="en-US" dirty="0">
@@ -3900,21 +3916,8 @@
                   <a:srgbClr val="C00000"/>
                 </a:solidFill>
               </a:rPr>
-              <a:t>Vishal </a:t>
-            </a:r>
-            <a:r>
-              <a:rPr lang="en-US" dirty="0" smtClean="0">
-                <a:solidFill>
-                  <a:srgbClr val="C00000"/>
-                </a:solidFill>
-              </a:rPr>
-              <a:t>Shirke</a:t>
-            </a:r>
-            <a:endParaRPr lang="en-US" dirty="0">
-              <a:solidFill>
-                <a:srgbClr val="C00000"/>
-              </a:solidFill>
-            </a:endParaRPr>
+              <a:t>Vishal Shirke</a:t>
+            </a:r>
           </a:p>
           <a:p>
             <a:pPr marL="0" indent="0" algn="ctr">
@@ -3922,7 +3925,23 @@
             </a:pPr>
             <a:r>
               <a:rPr lang="en-US" dirty="0"/>
-              <a:t>BE Sem VII- 2022-23</a:t>
+              <a:t>BE </a:t>
+            </a:r>
+            <a:r>
+              <a:rPr lang="en-US" dirty="0" err="1"/>
+              <a:t>Sem</a:t>
+            </a:r>
+            <a:r>
+              <a:rPr lang="en-US" dirty="0"/>
+              <a:t> </a:t>
+            </a:r>
+            <a:r>
+              <a:rPr lang="en-US" dirty="0" smtClean="0"/>
+              <a:t>VIII- </a:t>
+            </a:r>
+            <a:r>
+              <a:rPr lang="en-US" dirty="0"/>
+              <a:t>2022-23</a:t>
             </a:r>
           </a:p>
           <a:p>
@@ -3937,11 +3956,7 @@
             </a:pPr>
             <a:r>
               <a:rPr lang="en-US" dirty="0"/>
-              <a:t>:</a:t>
-            </a:r>
-            <a:r>
-              <a:rPr lang="en-US" dirty="0" smtClean="0"/>
-              <a:t>Guide:</a:t>
+              <a:t>:Guide:</a:t>
             </a:r>
           </a:p>
           <a:p>
@@ -4007,11 +4022,7 @@
             </a:r>
             <a:r>
               <a:rPr lang="en-US" sz="1800" dirty="0"/>
-              <a:t> Institute Of Electronics Engineering And Computer </a:t>
-            </a:r>
-            <a:r>
-              <a:rPr lang="en-US" sz="1800" dirty="0" smtClean="0"/>
-              <a:t>Technology</a:t>
+              <a:t> Institute Of Electronics Engineering And Computer Technology</a:t>
             </a:r>
             <a:endParaRPr lang="en-US" dirty="0"/>
           </a:p>
@@ -4123,12 +4134,14 @@
         </p:nvSpPr>
         <p:spPr>
           <a:xfrm>
-            <a:off x="452717" y="247651"/>
-            <a:ext cx="10959354" cy="5991784"/>
+            <a:off x="452717" y="304801"/>
+            <a:ext cx="10959354" cy="6267450"/>
           </a:xfrm>
         </p:spPr>
         <p:txBody>
-          <a:bodyPr/>
+          <a:bodyPr>
+            <a:normAutofit lnSpcReduction="10000"/>
+          </a:bodyPr>
           <a:lstStyle/>
           <a:p>
             <a:pPr marL="0" indent="0" algn="ctr">
@@ -4140,16 +4153,13 @@
                   <a:srgbClr val="C00000"/>
                 </a:solidFill>
               </a:rPr>
-              <a:t>VISUALIZATION - ArcGIS </a:t>
-            </a:r>
-            <a:r>
-              <a:rPr lang="en-US" b="1" dirty="0" smtClean="0">
-                <a:solidFill>
-                  <a:srgbClr val="C00000"/>
-                </a:solidFill>
-              </a:rPr>
-              <a:t>Book</a:t>
-            </a:r>
+              <a:t>EXISTING SYSTEMS AND THEIR MERITS</a:t>
+            </a:r>
+          </a:p>
+          <a:p>
+            <a:pPr marL="0" indent="0" algn="ctr">
+              <a:buNone/>
+            </a:pPr>
             <a:endParaRPr lang="en-US" b="1" dirty="0">
               <a:solidFill>
                 <a:srgbClr val="C00000"/>
@@ -4160,253 +4170,6 @@
             <a:pPr marL="0" indent="0">
               <a:buNone/>
             </a:pPr>
-            <a:endParaRPr lang="en-US" dirty="0"/>
-          </a:p>
-          <a:p>
-            <a:pPr marL="0" indent="0">
-              <a:buNone/>
-            </a:pPr>
-            <a:endParaRPr lang="en-US" dirty="0"/>
-          </a:p>
-          <a:p>
-            <a:pPr marL="0" indent="0">
-              <a:buNone/>
-            </a:pPr>
-            <a:endParaRPr lang="en-IN" b="1" dirty="0">
-              <a:solidFill>
-                <a:schemeClr val="accent1">
-                  <a:lumMod val="50000"/>
-                </a:schemeClr>
-              </a:solidFill>
-            </a:endParaRPr>
-          </a:p>
-        </p:txBody>
-      </p:sp>
-      <p:sp>
-        <p:nvSpPr>
-          <p:cNvPr id="4" name="Footer Placeholder 3">
-            <a:extLst>
-              <a:ext uri="{FF2B5EF4-FFF2-40B4-BE49-F238E27FC236}">
-                <a16:creationId xmlns:a16="http://schemas.microsoft.com/office/drawing/2014/main" id="{49A8A428-EBCB-8747-85C9-4425A3DD522F}"/>
-              </a:ext>
-            </a:extLst>
-          </p:cNvPr>
-          <p:cNvSpPr>
-            <a:spLocks noGrp="1"/>
-          </p:cNvSpPr>
-          <p:nvPr>
-            <p:ph type="ftr" sz="quarter" idx="11"/>
-          </p:nvPr>
-        </p:nvSpPr>
-        <p:spPr/>
-        <p:txBody>
-          <a:bodyPr/>
-          <a:lstStyle/>
-          <a:p>
-            <a:r>
-              <a:rPr lang="en-US" dirty="0"/>
-              <a:t>Department Of Computer Engineering,Watumull Institute, November 2022</a:t>
-            </a:r>
-            <a:endParaRPr lang="en-IN" dirty="0"/>
-          </a:p>
-        </p:txBody>
-      </p:sp>
-      <p:pic>
-        <p:nvPicPr>
-          <p:cNvPr id="6" name="Picture 5">
-            <a:extLst>
-              <a:ext uri="{FF2B5EF4-FFF2-40B4-BE49-F238E27FC236}">
-                <a16:creationId xmlns:a16="http://schemas.microsoft.com/office/drawing/2014/main" id="{D93F8BDD-1CF5-CD67-BAE3-AC783BB5B51C}"/>
-              </a:ext>
-            </a:extLst>
-          </p:cNvPr>
-          <p:cNvPicPr>
-            <a:picLocks noChangeAspect="1"/>
-          </p:cNvPicPr>
-          <p:nvPr/>
-        </p:nvPicPr>
-        <p:blipFill>
-          <a:blip r:embed="rId2" cstate="hqprint">
-            <a:extLst>
-              <a:ext uri="{28A0092B-C50C-407E-A947-70E740481C1C}">
-                <a14:useLocalDpi xmlns:a14="http://schemas.microsoft.com/office/drawing/2010/main" val="0"/>
-              </a:ext>
-            </a:extLst>
-          </a:blip>
-          <a:stretch>
-            <a:fillRect/>
-          </a:stretch>
-        </p:blipFill>
-        <p:spPr>
-          <a:xfrm>
-            <a:off x="238853" y="6239434"/>
-            <a:ext cx="541076" cy="485103"/>
-          </a:xfrm>
-          <a:prstGeom prst="rect">
-            <a:avLst/>
-          </a:prstGeom>
-        </p:spPr>
-      </p:pic>
-      <p:pic>
-        <p:nvPicPr>
-          <p:cNvPr id="2" name="Picture 1"/>
-          <p:cNvPicPr>
-            <a:picLocks noChangeAspect="1"/>
-          </p:cNvPicPr>
-          <p:nvPr/>
-        </p:nvPicPr>
-        <p:blipFill rotWithShape="1">
-          <a:blip r:embed="rId3"/>
-          <a:srcRect l="3571" t="3007" r="3827" b="2540"/>
-          <a:stretch/>
-        </p:blipFill>
-        <p:spPr>
-          <a:xfrm>
-            <a:off x="779929" y="702750"/>
-            <a:ext cx="7200900" cy="5653600"/>
-          </a:xfrm>
-          <a:prstGeom prst="rect">
-            <a:avLst/>
-          </a:prstGeom>
-        </p:spPr>
-      </p:pic>
-      <p:sp>
-        <p:nvSpPr>
-          <p:cNvPr id="5" name="TextBox 4"/>
-          <p:cNvSpPr txBox="1"/>
-          <p:nvPr/>
-        </p:nvSpPr>
-        <p:spPr>
-          <a:xfrm>
-            <a:off x="8119783" y="1200150"/>
-            <a:ext cx="3619500" cy="1292662"/>
-          </a:xfrm>
-          <a:prstGeom prst="rect">
-            <a:avLst/>
-          </a:prstGeom>
-          <a:noFill/>
-        </p:spPr>
-        <p:txBody>
-          <a:bodyPr wrap="square" rtlCol="0">
-            <a:spAutoFit/>
-          </a:bodyPr>
-          <a:lstStyle/>
-          <a:p>
-            <a:pPr marL="457200" indent="-457200">
-              <a:buFont typeface="Arial" panose="020B0604020202020204" pitchFamily="34" charset="0"/>
-              <a:buChar char="•"/>
-            </a:pPr>
-            <a:r>
-              <a:rPr lang="en-US" sz="2600" dirty="0"/>
-              <a:t>ArcGIS’ procedure of providing facility of a temporal </a:t>
-            </a:r>
-            <a:r>
-              <a:rPr lang="en-US" sz="2600" dirty="0" smtClean="0"/>
-              <a:t>GIS.</a:t>
-            </a:r>
-            <a:endParaRPr lang="en-US" sz="2600" dirty="0"/>
-          </a:p>
-        </p:txBody>
-      </p:sp>
-    </p:spTree>
-    <p:extLst>
-      <p:ext uri="{BB962C8B-B14F-4D97-AF65-F5344CB8AC3E}">
-        <p14:creationId xmlns:p14="http://schemas.microsoft.com/office/powerpoint/2010/main" val="459750924"/>
-      </p:ext>
-    </p:extLst>
-  </p:cSld>
-  <p:clrMapOvr>
-    <a:masterClrMapping/>
-  </p:clrMapOvr>
-  <p:timing>
-    <p:tnLst>
-      <p:par>
-        <p:cTn id="1" dur="indefinite" restart="never" nodeType="tmRoot"/>
-      </p:par>
-    </p:tnLst>
-  </p:timing>
-</p:sld>
-</file>
-
-<file path=ppt/slides/slide11.xml><?xml version="1.0" encoding="utf-8"?>
-<p:sld xmlns:a="http://schemas.openxmlformats.org/drawingml/2006/main" xmlns:r="http://schemas.openxmlformats.org/officeDocument/2006/relationships" xmlns:p="http://schemas.openxmlformats.org/presentationml/2006/main">
-  <p:cSld>
-    <p:spTree>
-      <p:nvGrpSpPr>
-        <p:cNvPr id="1" name=""/>
-        <p:cNvGrpSpPr/>
-        <p:nvPr/>
-      </p:nvGrpSpPr>
-      <p:grpSpPr>
-        <a:xfrm>
-          <a:off x="0" y="0"/>
-          <a:ext cx="0" cy="0"/>
-          <a:chOff x="0" y="0"/>
-          <a:chExt cx="0" cy="0"/>
-        </a:xfrm>
-      </p:grpSpPr>
-      <p:sp>
-        <p:nvSpPr>
-          <p:cNvPr id="3" name="Content Placeholder 2">
-            <a:extLst>
-              <a:ext uri="{FF2B5EF4-FFF2-40B4-BE49-F238E27FC236}">
-                <a16:creationId xmlns:a16="http://schemas.microsoft.com/office/drawing/2014/main" id="{C787ED62-2548-84D4-C260-B7F1D16611E8}"/>
-              </a:ext>
-            </a:extLst>
-          </p:cNvPr>
-          <p:cNvSpPr>
-            <a:spLocks noGrp="1"/>
-          </p:cNvSpPr>
-          <p:nvPr>
-            <p:ph idx="1"/>
-          </p:nvPr>
-        </p:nvSpPr>
-        <p:spPr>
-          <a:xfrm>
-            <a:off x="452717" y="304801"/>
-            <a:ext cx="10959354" cy="6267450"/>
-          </a:xfrm>
-        </p:spPr>
-        <p:txBody>
-          <a:bodyPr>
-            <a:normAutofit lnSpcReduction="10000"/>
-          </a:bodyPr>
-          <a:lstStyle/>
-          <a:p>
-            <a:pPr marL="0" indent="0" algn="ctr">
-              <a:buNone/>
-            </a:pPr>
-            <a:r>
-              <a:rPr lang="en-US" b="1" dirty="0">
-                <a:solidFill>
-                  <a:srgbClr val="C00000"/>
-                </a:solidFill>
-              </a:rPr>
-              <a:t>EXISTING SYSTEMS AND THEIR </a:t>
-            </a:r>
-            <a:r>
-              <a:rPr lang="en-US" b="1" dirty="0" smtClean="0">
-                <a:solidFill>
-                  <a:srgbClr val="C00000"/>
-                </a:solidFill>
-              </a:rPr>
-              <a:t>MERITS</a:t>
-            </a:r>
-          </a:p>
-          <a:p>
-            <a:pPr marL="0" indent="0" algn="ctr">
-              <a:buNone/>
-            </a:pPr>
-            <a:endParaRPr lang="en-US" b="1" dirty="0">
-              <a:solidFill>
-                <a:srgbClr val="C00000"/>
-              </a:solidFill>
-            </a:endParaRPr>
-          </a:p>
-          <a:p>
-            <a:pPr marL="0" indent="0">
-              <a:buNone/>
-            </a:pPr>
             <a:r>
               <a:rPr lang="en-US" sz="2600" b="1" dirty="0"/>
               <a:t>Existing Systems:</a:t>
@@ -4427,13 +4190,8 @@
           <a:p>
             <a:r>
               <a:rPr lang="en-US" sz="2600" dirty="0"/>
-              <a:t>Government of Maharashtra has sanctioned the proposal of Mumbai Police to implement GIS/GPS based systems</a:t>
-            </a:r>
-            <a:r>
-              <a:rPr lang="en-US" sz="2600" dirty="0" smtClean="0"/>
-              <a:t>.</a:t>
-            </a:r>
-            <a:endParaRPr lang="en-US" sz="2600" dirty="0"/>
+              <a:t>Government of Maharashtra has sanctioned the proposal of Mumbai Police to implement GIS/GPS based systems.</a:t>
+            </a:r>
           </a:p>
           <a:p>
             <a:pPr marL="0" indent="0">
@@ -4459,13 +4217,8 @@
           <a:p>
             <a:r>
               <a:rPr lang="en-US" sz="2600" dirty="0"/>
-              <a:t>Currently used for locating different hotspots of crime</a:t>
-            </a:r>
-            <a:r>
-              <a:rPr lang="en-US" sz="2600" dirty="0" smtClean="0"/>
-              <a:t>.</a:t>
-            </a:r>
-            <a:endParaRPr lang="en-US" sz="2600" dirty="0"/>
+              <a:t>Currently used for locating different hotspots of crime.</a:t>
+            </a:r>
           </a:p>
           <a:p>
             <a:pPr marL="0" indent="0">
@@ -4572,7 +4325,7 @@
 </p:sld>
 </file>
 
-<file path=ppt/slides/slide12.xml><?xml version="1.0" encoding="utf-8"?>
+<file path=ppt/slides/slide11.xml><?xml version="1.0" encoding="utf-8"?>
 <p:sld xmlns:a="http://schemas.openxmlformats.org/drawingml/2006/main" xmlns:r="http://schemas.openxmlformats.org/officeDocument/2006/relationships" xmlns:p="http://schemas.openxmlformats.org/presentationml/2006/main">
   <p:cSld>
     <p:spTree>
@@ -4624,15 +4377,7 @@
                   <a:srgbClr val="C00000"/>
                 </a:solidFill>
               </a:rPr>
-              <a:t>DEMERITS OF EXISTING </a:t>
-            </a:r>
-            <a:r>
-              <a:rPr lang="en-US" b="1" dirty="0" smtClean="0">
-                <a:solidFill>
-                  <a:srgbClr val="C00000"/>
-                </a:solidFill>
-              </a:rPr>
-              <a:t>SYSTEM</a:t>
+              <a:t>DEMERITS OF EXISTING SYSTEM</a:t>
             </a:r>
           </a:p>
           <a:p>
@@ -4795,6 +4540,282 @@
 </p:sld>
 </file>
 
+<file path=ppt/slides/slide12.xml><?xml version="1.0" encoding="utf-8"?>
+<p:sld xmlns:a="http://schemas.openxmlformats.org/drawingml/2006/main" xmlns:r="http://schemas.openxmlformats.org/officeDocument/2006/relationships" xmlns:p="http://schemas.openxmlformats.org/presentationml/2006/main">
+  <p:cSld>
+    <p:spTree>
+      <p:nvGrpSpPr>
+        <p:cNvPr id="1" name=""/>
+        <p:cNvGrpSpPr/>
+        <p:nvPr/>
+      </p:nvGrpSpPr>
+      <p:grpSpPr>
+        <a:xfrm>
+          <a:off x="0" y="0"/>
+          <a:ext cx="0" cy="0"/>
+          <a:chOff x="0" y="0"/>
+          <a:chExt cx="0" cy="0"/>
+        </a:xfrm>
+      </p:grpSpPr>
+      <p:pic>
+        <p:nvPicPr>
+          <p:cNvPr id="2" name="Picture 1"/>
+          <p:cNvPicPr>
+            <a:picLocks noChangeAspect="1"/>
+          </p:cNvPicPr>
+          <p:nvPr/>
+        </p:nvPicPr>
+        <p:blipFill rotWithShape="1">
+          <a:blip r:embed="rId2">
+            <a:extLst>
+              <a:ext uri="{28A0092B-C50C-407E-A947-70E740481C1C}">
+                <a14:useLocalDpi xmlns:a14="http://schemas.microsoft.com/office/drawing/2010/main" val="0"/>
+              </a:ext>
+            </a:extLst>
+          </a:blip>
+          <a:srcRect l="1095" t="10857" r="12209" b="8191"/>
+          <a:stretch/>
+        </p:blipFill>
+        <p:spPr>
+          <a:xfrm>
+            <a:off x="897496" y="2245464"/>
+            <a:ext cx="6647795" cy="3877055"/>
+          </a:xfrm>
+          <a:prstGeom prst="rect">
+            <a:avLst/>
+          </a:prstGeom>
+          <a:ln>
+            <a:noFill/>
+          </a:ln>
+          <a:effectLst>
+            <a:outerShdw blurRad="190500" algn="tl" rotWithShape="0">
+              <a:srgbClr val="000000">
+                <a:alpha val="70000"/>
+              </a:srgbClr>
+            </a:outerShdw>
+          </a:effectLst>
+        </p:spPr>
+      </p:pic>
+      <p:sp>
+        <p:nvSpPr>
+          <p:cNvPr id="3" name="Content Placeholder 2">
+            <a:extLst>
+              <a:ext uri="{FF2B5EF4-FFF2-40B4-BE49-F238E27FC236}">
+                <a16:creationId xmlns:a16="http://schemas.microsoft.com/office/drawing/2014/main" id="{C787ED62-2548-84D4-C260-B7F1D16611E8}"/>
+              </a:ext>
+            </a:extLst>
+          </p:cNvPr>
+          <p:cNvSpPr>
+            <a:spLocks noGrp="1"/>
+          </p:cNvSpPr>
+          <p:nvPr>
+            <p:ph idx="1"/>
+          </p:nvPr>
+        </p:nvSpPr>
+        <p:spPr>
+          <a:xfrm>
+            <a:off x="491905" y="342900"/>
+            <a:ext cx="10959354" cy="5896534"/>
+          </a:xfrm>
+        </p:spPr>
+        <p:txBody>
+          <a:bodyPr/>
+          <a:lstStyle/>
+          <a:p>
+            <a:pPr marL="0" indent="0" algn="ctr">
+              <a:buNone/>
+            </a:pPr>
+            <a:r>
+              <a:rPr lang="en-US" b="1" dirty="0" smtClean="0">
+                <a:solidFill>
+                  <a:srgbClr val="C00000"/>
+                </a:solidFill>
+              </a:rPr>
+              <a:t>VISUALIZATION &amp; RESULTS</a:t>
+            </a:r>
+            <a:endParaRPr lang="en-US" b="1" dirty="0">
+              <a:solidFill>
+                <a:srgbClr val="C00000"/>
+              </a:solidFill>
+            </a:endParaRPr>
+          </a:p>
+          <a:p>
+            <a:pPr marL="0" indent="0">
+              <a:buNone/>
+            </a:pPr>
+            <a:endParaRPr lang="en-US" dirty="0"/>
+          </a:p>
+          <a:p>
+            <a:r>
+              <a:rPr lang="en-US" sz="2600" b="1" dirty="0" smtClean="0"/>
+              <a:t>Crime Charts</a:t>
+            </a:r>
+            <a:r>
+              <a:rPr lang="en-US" sz="2600" dirty="0" smtClean="0"/>
+              <a:t>: Charts help to understand changes in crime and other factors over time using easily understandable visual format.</a:t>
+            </a:r>
+            <a:endParaRPr lang="en-IN" sz="2600" dirty="0"/>
+          </a:p>
+          <a:p>
+            <a:endParaRPr lang="en-US" dirty="0"/>
+          </a:p>
+          <a:p>
+            <a:pPr marL="0" indent="0">
+              <a:buNone/>
+            </a:pPr>
+            <a:endParaRPr lang="en-IN" b="1" dirty="0">
+              <a:solidFill>
+                <a:schemeClr val="accent1">
+                  <a:lumMod val="50000"/>
+                </a:schemeClr>
+              </a:solidFill>
+            </a:endParaRPr>
+          </a:p>
+        </p:txBody>
+      </p:sp>
+      <p:sp>
+        <p:nvSpPr>
+          <p:cNvPr id="4" name="Footer Placeholder 3">
+            <a:extLst>
+              <a:ext uri="{FF2B5EF4-FFF2-40B4-BE49-F238E27FC236}">
+                <a16:creationId xmlns:a16="http://schemas.microsoft.com/office/drawing/2014/main" id="{49A8A428-EBCB-8747-85C9-4425A3DD522F}"/>
+              </a:ext>
+            </a:extLst>
+          </p:cNvPr>
+          <p:cNvSpPr>
+            <a:spLocks noGrp="1"/>
+          </p:cNvSpPr>
+          <p:nvPr>
+            <p:ph type="ftr" sz="quarter" idx="11"/>
+          </p:nvPr>
+        </p:nvSpPr>
+        <p:spPr/>
+        <p:txBody>
+          <a:bodyPr/>
+          <a:lstStyle/>
+          <a:p>
+            <a:r>
+              <a:rPr lang="en-US" dirty="0"/>
+              <a:t>Department Of Computer Engineering,Watumull Institute, November 2022</a:t>
+            </a:r>
+            <a:endParaRPr lang="en-IN" dirty="0"/>
+          </a:p>
+        </p:txBody>
+      </p:sp>
+      <p:pic>
+        <p:nvPicPr>
+          <p:cNvPr id="6" name="Picture 5">
+            <a:extLst>
+              <a:ext uri="{FF2B5EF4-FFF2-40B4-BE49-F238E27FC236}">
+                <a16:creationId xmlns:a16="http://schemas.microsoft.com/office/drawing/2014/main" id="{D93F8BDD-1CF5-CD67-BAE3-AC783BB5B51C}"/>
+              </a:ext>
+            </a:extLst>
+          </p:cNvPr>
+          <p:cNvPicPr>
+            <a:picLocks noChangeAspect="1"/>
+          </p:cNvPicPr>
+          <p:nvPr/>
+        </p:nvPicPr>
+        <p:blipFill>
+          <a:blip r:embed="rId3" cstate="hqprint">
+            <a:extLst>
+              <a:ext uri="{28A0092B-C50C-407E-A947-70E740481C1C}">
+                <a14:useLocalDpi xmlns:a14="http://schemas.microsoft.com/office/drawing/2010/main" val="0"/>
+              </a:ext>
+            </a:extLst>
+          </a:blip>
+          <a:stretch>
+            <a:fillRect/>
+          </a:stretch>
+        </p:blipFill>
+        <p:spPr>
+          <a:xfrm>
+            <a:off x="238853" y="6239434"/>
+            <a:ext cx="541076" cy="485103"/>
+          </a:xfrm>
+          <a:prstGeom prst="rect">
+            <a:avLst/>
+          </a:prstGeom>
+        </p:spPr>
+      </p:pic>
+      <p:pic>
+        <p:nvPicPr>
+          <p:cNvPr id="5" name="Picture 4"/>
+          <p:cNvPicPr>
+            <a:picLocks noChangeAspect="1"/>
+          </p:cNvPicPr>
+          <p:nvPr/>
+        </p:nvPicPr>
+        <p:blipFill rotWithShape="1">
+          <a:blip r:embed="rId4">
+            <a:extLst>
+              <a:ext uri="{28A0092B-C50C-407E-A947-70E740481C1C}">
+                <a14:useLocalDpi xmlns:a14="http://schemas.microsoft.com/office/drawing/2010/main" val="0"/>
+              </a:ext>
+            </a:extLst>
+          </a:blip>
+          <a:srcRect l="17891" t="30677" r="31808" b="10666"/>
+          <a:stretch/>
+        </p:blipFill>
+        <p:spPr>
+          <a:xfrm>
+            <a:off x="7823058" y="2245464"/>
+            <a:ext cx="3175982" cy="2091408"/>
+          </a:xfrm>
+          <a:prstGeom prst="rect">
+            <a:avLst/>
+          </a:prstGeom>
+        </p:spPr>
+      </p:pic>
+      <p:pic>
+        <p:nvPicPr>
+          <p:cNvPr id="7" name="Picture 6"/>
+          <p:cNvPicPr>
+            <a:picLocks noChangeAspect="1"/>
+          </p:cNvPicPr>
+          <p:nvPr/>
+        </p:nvPicPr>
+        <p:blipFill rotWithShape="1">
+          <a:blip r:embed="rId5">
+            <a:extLst>
+              <a:ext uri="{28A0092B-C50C-407E-A947-70E740481C1C}">
+                <a14:useLocalDpi xmlns:a14="http://schemas.microsoft.com/office/drawing/2010/main" val="0"/>
+              </a:ext>
+            </a:extLst>
+          </a:blip>
+          <a:srcRect l="30137" t="30476" r="26730" b="8952"/>
+          <a:stretch/>
+        </p:blipFill>
+        <p:spPr>
+          <a:xfrm>
+            <a:off x="8397209" y="4336872"/>
+            <a:ext cx="2027680" cy="1607986"/>
+          </a:xfrm>
+          <a:prstGeom prst="rect">
+            <a:avLst/>
+          </a:prstGeom>
+        </p:spPr>
+      </p:pic>
+    </p:spTree>
+    <p:extLst>
+      <p:ext uri="{BB962C8B-B14F-4D97-AF65-F5344CB8AC3E}">
+        <p14:creationId xmlns:p14="http://schemas.microsoft.com/office/powerpoint/2010/main" val="1337047847"/>
+      </p:ext>
+    </p:extLst>
+  </p:cSld>
+  <p:clrMapOvr>
+    <a:masterClrMapping/>
+  </p:clrMapOvr>
+  <p:timing>
+    <p:tnLst>
+      <p:par>
+        <p:cTn id="1" dur="indefinite" restart="never" nodeType="tmRoot"/>
+      </p:par>
+    </p:tnLst>
+  </p:timing>
+</p:sld>
+</file>
+
 <file path=ppt/slides/slide13.xml><?xml version="1.0" encoding="utf-8"?>
 <p:sld xmlns:a="http://schemas.openxmlformats.org/drawingml/2006/main" xmlns:r="http://schemas.openxmlformats.org/officeDocument/2006/relationships" xmlns:p="http://schemas.openxmlformats.org/presentationml/2006/main">
   <p:cSld>
@@ -4842,7 +4863,502 @@
               <a:buNone/>
             </a:pPr>
             <a:r>
+              <a:rPr lang="en-US" b="1" dirty="0">
+                <a:solidFill>
+                  <a:srgbClr val="C00000"/>
+                </a:solidFill>
+              </a:rPr>
+              <a:t>VISUALIZATION &amp; </a:t>
+            </a:r>
+            <a:r>
               <a:rPr lang="en-US" b="1" dirty="0" smtClean="0">
+                <a:solidFill>
+                  <a:srgbClr val="C00000"/>
+                </a:solidFill>
+              </a:rPr>
+              <a:t>RESULTS</a:t>
+            </a:r>
+          </a:p>
+          <a:p>
+            <a:pPr marL="0" indent="0" algn="ctr">
+              <a:buNone/>
+            </a:pPr>
+            <a:endParaRPr lang="en-US" b="1" dirty="0">
+              <a:solidFill>
+                <a:srgbClr val="C00000"/>
+              </a:solidFill>
+            </a:endParaRPr>
+          </a:p>
+          <a:p>
+            <a:r>
+              <a:rPr lang="en-US" sz="2600" b="1" dirty="0" smtClean="0"/>
+              <a:t>Crime Data: </a:t>
+            </a:r>
+            <a:r>
+              <a:rPr lang="en-US" sz="2600" dirty="0" smtClean="0"/>
+              <a:t>Crime data page helps to find crime data for particular place using pin code or district name along with a map view. </a:t>
+            </a:r>
+            <a:endParaRPr lang="en-US" sz="2600" dirty="0"/>
+          </a:p>
+          <a:p>
+            <a:pPr marL="0" indent="0">
+              <a:buNone/>
+            </a:pPr>
+            <a:endParaRPr lang="en-US" dirty="0"/>
+          </a:p>
+          <a:p>
+            <a:pPr marL="0" indent="0">
+              <a:buNone/>
+            </a:pPr>
+            <a:endParaRPr lang="en-IN" b="1" dirty="0">
+              <a:solidFill>
+                <a:schemeClr val="accent1">
+                  <a:lumMod val="50000"/>
+                </a:schemeClr>
+              </a:solidFill>
+            </a:endParaRPr>
+          </a:p>
+        </p:txBody>
+      </p:sp>
+      <p:sp>
+        <p:nvSpPr>
+          <p:cNvPr id="4" name="Footer Placeholder 3">
+            <a:extLst>
+              <a:ext uri="{FF2B5EF4-FFF2-40B4-BE49-F238E27FC236}">
+                <a16:creationId xmlns:a16="http://schemas.microsoft.com/office/drawing/2014/main" id="{49A8A428-EBCB-8747-85C9-4425A3DD522F}"/>
+              </a:ext>
+            </a:extLst>
+          </p:cNvPr>
+          <p:cNvSpPr>
+            <a:spLocks noGrp="1"/>
+          </p:cNvSpPr>
+          <p:nvPr>
+            <p:ph type="ftr" sz="quarter" idx="11"/>
+          </p:nvPr>
+        </p:nvSpPr>
+        <p:spPr/>
+        <p:txBody>
+          <a:bodyPr/>
+          <a:lstStyle/>
+          <a:p>
+            <a:r>
+              <a:rPr lang="en-US" dirty="0"/>
+              <a:t>Department Of Computer Engineering,Watumull Institute, November 2022</a:t>
+            </a:r>
+            <a:endParaRPr lang="en-IN" dirty="0"/>
+          </a:p>
+        </p:txBody>
+      </p:sp>
+      <p:pic>
+        <p:nvPicPr>
+          <p:cNvPr id="6" name="Picture 5">
+            <a:extLst>
+              <a:ext uri="{FF2B5EF4-FFF2-40B4-BE49-F238E27FC236}">
+                <a16:creationId xmlns:a16="http://schemas.microsoft.com/office/drawing/2014/main" id="{D93F8BDD-1CF5-CD67-BAE3-AC783BB5B51C}"/>
+              </a:ext>
+            </a:extLst>
+          </p:cNvPr>
+          <p:cNvPicPr>
+            <a:picLocks noChangeAspect="1"/>
+          </p:cNvPicPr>
+          <p:nvPr/>
+        </p:nvPicPr>
+        <p:blipFill>
+          <a:blip r:embed="rId2" cstate="hqprint">
+            <a:extLst>
+              <a:ext uri="{28A0092B-C50C-407E-A947-70E740481C1C}">
+                <a14:useLocalDpi xmlns:a14="http://schemas.microsoft.com/office/drawing/2010/main" val="0"/>
+              </a:ext>
+            </a:extLst>
+          </a:blip>
+          <a:stretch>
+            <a:fillRect/>
+          </a:stretch>
+        </p:blipFill>
+        <p:spPr>
+          <a:xfrm>
+            <a:off x="238853" y="6239434"/>
+            <a:ext cx="541076" cy="485103"/>
+          </a:xfrm>
+          <a:prstGeom prst="rect">
+            <a:avLst/>
+          </a:prstGeom>
+        </p:spPr>
+      </p:pic>
+      <p:pic>
+        <p:nvPicPr>
+          <p:cNvPr id="2" name="Picture 1"/>
+          <p:cNvPicPr>
+            <a:picLocks noChangeAspect="1"/>
+          </p:cNvPicPr>
+          <p:nvPr/>
+        </p:nvPicPr>
+        <p:blipFill rotWithShape="1">
+          <a:blip r:embed="rId3">
+            <a:extLst>
+              <a:ext uri="{28A0092B-C50C-407E-A947-70E740481C1C}">
+                <a14:useLocalDpi xmlns:a14="http://schemas.microsoft.com/office/drawing/2010/main" val="0"/>
+              </a:ext>
+            </a:extLst>
+          </a:blip>
+          <a:srcRect l="1633" t="11237" r="2421" b="14286"/>
+          <a:stretch/>
+        </p:blipFill>
+        <p:spPr>
+          <a:xfrm>
+            <a:off x="1367763" y="2190752"/>
+            <a:ext cx="9369911" cy="4107214"/>
+          </a:xfrm>
+          <a:prstGeom prst="rect">
+            <a:avLst/>
+          </a:prstGeom>
+          <a:ln>
+            <a:noFill/>
+          </a:ln>
+          <a:effectLst>
+            <a:outerShdw blurRad="190500" algn="tl" rotWithShape="0">
+              <a:srgbClr val="000000">
+                <a:alpha val="70000"/>
+              </a:srgbClr>
+            </a:outerShdw>
+          </a:effectLst>
+        </p:spPr>
+      </p:pic>
+    </p:spTree>
+    <p:extLst>
+      <p:ext uri="{BB962C8B-B14F-4D97-AF65-F5344CB8AC3E}">
+        <p14:creationId xmlns:p14="http://schemas.microsoft.com/office/powerpoint/2010/main" val="2591359157"/>
+      </p:ext>
+    </p:extLst>
+  </p:cSld>
+  <p:clrMapOvr>
+    <a:masterClrMapping/>
+  </p:clrMapOvr>
+  <p:timing>
+    <p:tnLst>
+      <p:par>
+        <p:cTn id="1" dur="indefinite" restart="never" nodeType="tmRoot"/>
+      </p:par>
+    </p:tnLst>
+  </p:timing>
+</p:sld>
+</file>
+
+<file path=ppt/slides/slide14.xml><?xml version="1.0" encoding="utf-8"?>
+<p:sld xmlns:a="http://schemas.openxmlformats.org/drawingml/2006/main" xmlns:r="http://schemas.openxmlformats.org/officeDocument/2006/relationships" xmlns:p="http://schemas.openxmlformats.org/presentationml/2006/main">
+  <p:cSld>
+    <p:spTree>
+      <p:nvGrpSpPr>
+        <p:cNvPr id="1" name=""/>
+        <p:cNvGrpSpPr/>
+        <p:nvPr/>
+      </p:nvGrpSpPr>
+      <p:grpSpPr>
+        <a:xfrm>
+          <a:off x="0" y="0"/>
+          <a:ext cx="0" cy="0"/>
+          <a:chOff x="0" y="0"/>
+          <a:chExt cx="0" cy="0"/>
+        </a:xfrm>
+      </p:grpSpPr>
+      <p:sp>
+        <p:nvSpPr>
+          <p:cNvPr id="3" name="Content Placeholder 2">
+            <a:extLst>
+              <a:ext uri="{FF2B5EF4-FFF2-40B4-BE49-F238E27FC236}">
+                <a16:creationId xmlns:a16="http://schemas.microsoft.com/office/drawing/2014/main" id="{C787ED62-2548-84D4-C260-B7F1D16611E8}"/>
+              </a:ext>
+            </a:extLst>
+          </p:cNvPr>
+          <p:cNvSpPr>
+            <a:spLocks noGrp="1"/>
+          </p:cNvSpPr>
+          <p:nvPr>
+            <p:ph idx="1"/>
+          </p:nvPr>
+        </p:nvSpPr>
+        <p:spPr>
+          <a:xfrm>
+            <a:off x="452717" y="342901"/>
+            <a:ext cx="10959354" cy="5896534"/>
+          </a:xfrm>
+        </p:spPr>
+        <p:txBody>
+          <a:bodyPr/>
+          <a:lstStyle/>
+          <a:p>
+            <a:pPr marL="0" indent="0" algn="ctr">
+              <a:buNone/>
+            </a:pPr>
+            <a:r>
+              <a:rPr lang="en-US" b="1" dirty="0">
+                <a:solidFill>
+                  <a:srgbClr val="C00000"/>
+                </a:solidFill>
+              </a:rPr>
+              <a:t>VISUALIZATION &amp; </a:t>
+            </a:r>
+            <a:r>
+              <a:rPr lang="en-US" b="1" dirty="0" smtClean="0">
+                <a:solidFill>
+                  <a:srgbClr val="C00000"/>
+                </a:solidFill>
+              </a:rPr>
+              <a:t>RESULTS</a:t>
+            </a:r>
+          </a:p>
+          <a:p>
+            <a:pPr marL="0" indent="0" algn="ctr">
+              <a:buNone/>
+            </a:pPr>
+            <a:endParaRPr lang="en-US" b="1" dirty="0">
+              <a:solidFill>
+                <a:srgbClr val="C00000"/>
+              </a:solidFill>
+            </a:endParaRPr>
+          </a:p>
+          <a:p>
+            <a:r>
+              <a:rPr lang="en-US" sz="2600" b="1" dirty="0" smtClean="0"/>
+              <a:t>Crime Maps:</a:t>
+            </a:r>
+            <a:r>
+              <a:rPr lang="en-US" sz="2600" dirty="0" smtClean="0"/>
+              <a:t> It displays detailed information district wise for various factors on the map of Maharashtra. For Map SVG file was used.</a:t>
+            </a:r>
+          </a:p>
+          <a:p>
+            <a:r>
+              <a:rPr lang="en-US" sz="2600" dirty="0" smtClean="0"/>
+              <a:t>Heat map shows the overall distribution of crime rate all over Maharashtra. </a:t>
+            </a:r>
+            <a:endParaRPr lang="en-US" dirty="0"/>
+          </a:p>
+          <a:p>
+            <a:pPr marL="0" indent="0">
+              <a:buNone/>
+            </a:pPr>
+            <a:endParaRPr lang="en-IN" b="1" dirty="0">
+              <a:solidFill>
+                <a:schemeClr val="accent1">
+                  <a:lumMod val="50000"/>
+                </a:schemeClr>
+              </a:solidFill>
+            </a:endParaRPr>
+          </a:p>
+        </p:txBody>
+      </p:sp>
+      <p:sp>
+        <p:nvSpPr>
+          <p:cNvPr id="4" name="Footer Placeholder 3">
+            <a:extLst>
+              <a:ext uri="{FF2B5EF4-FFF2-40B4-BE49-F238E27FC236}">
+                <a16:creationId xmlns:a16="http://schemas.microsoft.com/office/drawing/2014/main" id="{49A8A428-EBCB-8747-85C9-4425A3DD522F}"/>
+              </a:ext>
+            </a:extLst>
+          </p:cNvPr>
+          <p:cNvSpPr>
+            <a:spLocks noGrp="1"/>
+          </p:cNvSpPr>
+          <p:nvPr>
+            <p:ph type="ftr" sz="quarter" idx="11"/>
+          </p:nvPr>
+        </p:nvSpPr>
+        <p:spPr/>
+        <p:txBody>
+          <a:bodyPr/>
+          <a:lstStyle/>
+          <a:p>
+            <a:r>
+              <a:rPr lang="en-US" dirty="0"/>
+              <a:t>Department Of Computer Engineering,Watumull Institute, November 2022</a:t>
+            </a:r>
+            <a:endParaRPr lang="en-IN" dirty="0"/>
+          </a:p>
+        </p:txBody>
+      </p:sp>
+      <p:pic>
+        <p:nvPicPr>
+          <p:cNvPr id="6" name="Picture 5">
+            <a:extLst>
+              <a:ext uri="{FF2B5EF4-FFF2-40B4-BE49-F238E27FC236}">
+                <a16:creationId xmlns:a16="http://schemas.microsoft.com/office/drawing/2014/main" id="{D93F8BDD-1CF5-CD67-BAE3-AC783BB5B51C}"/>
+              </a:ext>
+            </a:extLst>
+          </p:cNvPr>
+          <p:cNvPicPr>
+            <a:picLocks noChangeAspect="1"/>
+          </p:cNvPicPr>
+          <p:nvPr/>
+        </p:nvPicPr>
+        <p:blipFill>
+          <a:blip r:embed="rId2" cstate="hqprint">
+            <a:extLst>
+              <a:ext uri="{28A0092B-C50C-407E-A947-70E740481C1C}">
+                <a14:useLocalDpi xmlns:a14="http://schemas.microsoft.com/office/drawing/2010/main" val="0"/>
+              </a:ext>
+            </a:extLst>
+          </a:blip>
+          <a:stretch>
+            <a:fillRect/>
+          </a:stretch>
+        </p:blipFill>
+        <p:spPr>
+          <a:xfrm>
+            <a:off x="238853" y="6239434"/>
+            <a:ext cx="541076" cy="485103"/>
+          </a:xfrm>
+          <a:prstGeom prst="rect">
+            <a:avLst/>
+          </a:prstGeom>
+        </p:spPr>
+      </p:pic>
+      <p:pic>
+        <p:nvPicPr>
+          <p:cNvPr id="7" name="Picture 6"/>
+          <p:cNvPicPr>
+            <a:picLocks noChangeAspect="1"/>
+          </p:cNvPicPr>
+          <p:nvPr/>
+        </p:nvPicPr>
+        <p:blipFill rotWithShape="1">
+          <a:blip r:embed="rId3">
+            <a:extLst>
+              <a:ext uri="{28A0092B-C50C-407E-A947-70E740481C1C}">
+                <a14:useLocalDpi xmlns:a14="http://schemas.microsoft.com/office/drawing/2010/main" val="0"/>
+              </a:ext>
+            </a:extLst>
+          </a:blip>
+          <a:srcRect l="24175" t="10476" r="20274" b="8952"/>
+          <a:stretch/>
+        </p:blipFill>
+        <p:spPr>
+          <a:xfrm>
+            <a:off x="7132993" y="2739215"/>
+            <a:ext cx="4166377" cy="3359616"/>
+          </a:xfrm>
+          <a:prstGeom prst="rect">
+            <a:avLst/>
+          </a:prstGeom>
+          <a:ln>
+            <a:noFill/>
+          </a:ln>
+          <a:effectLst>
+            <a:outerShdw blurRad="190500" algn="tl" rotWithShape="0">
+              <a:srgbClr val="000000">
+                <a:alpha val="70000"/>
+              </a:srgbClr>
+            </a:outerShdw>
+          </a:effectLst>
+        </p:spPr>
+      </p:pic>
+      <p:pic>
+        <p:nvPicPr>
+          <p:cNvPr id="5" name="Picture 4"/>
+          <p:cNvPicPr>
+            <a:picLocks noChangeAspect="1"/>
+          </p:cNvPicPr>
+          <p:nvPr/>
+        </p:nvPicPr>
+        <p:blipFill rotWithShape="1">
+          <a:blip r:embed="rId4">
+            <a:extLst>
+              <a:ext uri="{28A0092B-C50C-407E-A947-70E740481C1C}">
+                <a14:useLocalDpi xmlns:a14="http://schemas.microsoft.com/office/drawing/2010/main" val="0"/>
+              </a:ext>
+            </a:extLst>
+          </a:blip>
+          <a:srcRect t="9333" r="22643" b="14476"/>
+          <a:stretch/>
+        </p:blipFill>
+        <p:spPr>
+          <a:xfrm>
+            <a:off x="847151" y="2733853"/>
+            <a:ext cx="6050036" cy="3364977"/>
+          </a:xfrm>
+          <a:prstGeom prst="rect">
+            <a:avLst/>
+          </a:prstGeom>
+          <a:ln>
+            <a:noFill/>
+          </a:ln>
+          <a:effectLst>
+            <a:outerShdw blurRad="190500" algn="tl" rotWithShape="0">
+              <a:srgbClr val="000000">
+                <a:alpha val="70000"/>
+              </a:srgbClr>
+            </a:outerShdw>
+          </a:effectLst>
+        </p:spPr>
+      </p:pic>
+    </p:spTree>
+    <p:extLst>
+      <p:ext uri="{BB962C8B-B14F-4D97-AF65-F5344CB8AC3E}">
+        <p14:creationId xmlns:p14="http://schemas.microsoft.com/office/powerpoint/2010/main" val="3853346901"/>
+      </p:ext>
+    </p:extLst>
+  </p:cSld>
+  <p:clrMapOvr>
+    <a:masterClrMapping/>
+  </p:clrMapOvr>
+  <p:timing>
+    <p:tnLst>
+      <p:par>
+        <p:cTn id="1" dur="indefinite" restart="never" nodeType="tmRoot"/>
+      </p:par>
+    </p:tnLst>
+  </p:timing>
+</p:sld>
+</file>
+
+<file path=ppt/slides/slide15.xml><?xml version="1.0" encoding="utf-8"?>
+<p:sld xmlns:a="http://schemas.openxmlformats.org/drawingml/2006/main" xmlns:r="http://schemas.openxmlformats.org/officeDocument/2006/relationships" xmlns:p="http://schemas.openxmlformats.org/presentationml/2006/main">
+  <p:cSld>
+    <p:spTree>
+      <p:nvGrpSpPr>
+        <p:cNvPr id="1" name=""/>
+        <p:cNvGrpSpPr/>
+        <p:nvPr/>
+      </p:nvGrpSpPr>
+      <p:grpSpPr>
+        <a:xfrm>
+          <a:off x="0" y="0"/>
+          <a:ext cx="0" cy="0"/>
+          <a:chOff x="0" y="0"/>
+          <a:chExt cx="0" cy="0"/>
+        </a:xfrm>
+      </p:grpSpPr>
+      <p:sp>
+        <p:nvSpPr>
+          <p:cNvPr id="3" name="Content Placeholder 2">
+            <a:extLst>
+              <a:ext uri="{FF2B5EF4-FFF2-40B4-BE49-F238E27FC236}">
+                <a16:creationId xmlns:a16="http://schemas.microsoft.com/office/drawing/2014/main" id="{C787ED62-2548-84D4-C260-B7F1D16611E8}"/>
+              </a:ext>
+            </a:extLst>
+          </p:cNvPr>
+          <p:cNvSpPr>
+            <a:spLocks noGrp="1"/>
+          </p:cNvSpPr>
+          <p:nvPr>
+            <p:ph idx="1"/>
+          </p:nvPr>
+        </p:nvSpPr>
+        <p:spPr>
+          <a:xfrm>
+            <a:off x="452717" y="342901"/>
+            <a:ext cx="10959354" cy="5896534"/>
+          </a:xfrm>
+        </p:spPr>
+        <p:txBody>
+          <a:bodyPr/>
+          <a:lstStyle/>
+          <a:p>
+            <a:pPr marL="0" indent="0" algn="ctr">
+              <a:buNone/>
+            </a:pPr>
+            <a:r>
+              <a:rPr lang="en-US" b="1" dirty="0">
                 <a:solidFill>
                   <a:srgbClr val="C00000"/>
                 </a:solidFill>
@@ -5001,7 +5517,7 @@
 </p:sld>
 </file>
 
-<file path=ppt/slides/slide14.xml><?xml version="1.0" encoding="utf-8"?>
+<file path=ppt/slides/slide16.xml><?xml version="1.0" encoding="utf-8"?>
 <p:sld xmlns:a="http://schemas.openxmlformats.org/drawingml/2006/main" xmlns:r="http://schemas.openxmlformats.org/officeDocument/2006/relationships" xmlns:p="http://schemas.openxmlformats.org/presentationml/2006/main">
   <p:cSld>
     <p:spTree>
@@ -5037,12 +5553,12 @@
         <p:spPr>
           <a:xfrm>
             <a:off x="452717" y="400051"/>
-            <a:ext cx="10959354" cy="5839384"/>
+            <a:ext cx="11029534" cy="2225583"/>
           </a:xfrm>
         </p:spPr>
         <p:txBody>
           <a:bodyPr>
-            <a:normAutofit/>
+            <a:normAutofit lnSpcReduction="10000"/>
           </a:bodyPr>
           <a:lstStyle/>
           <a:p>
@@ -5057,11 +5573,6 @@
               </a:rPr>
               <a:t>PROJECT REQUIREMENTS </a:t>
             </a:r>
-            <a:endParaRPr lang="en-US" b="1" dirty="0" smtClean="0">
-              <a:solidFill>
-                <a:srgbClr val="C00000"/>
-              </a:solidFill>
-            </a:endParaRPr>
           </a:p>
           <a:p>
             <a:pPr marL="0" indent="0" algn="ctr">
@@ -5079,13 +5590,8 @@
             </a:pPr>
             <a:r>
               <a:rPr lang="en-US" sz="2600" b="1" dirty="0"/>
-              <a:t>Hardware Requirements</a:t>
-            </a:r>
-            <a:r>
-              <a:rPr lang="en-US" sz="2600" b="1" dirty="0" smtClean="0"/>
-              <a:t>:</a:t>
-            </a:r>
-            <a:endParaRPr lang="en-US" sz="2600" b="1" dirty="0"/>
+              <a:t>Hardware Requirements:</a:t>
+            </a:r>
           </a:p>
           <a:p>
             <a:pPr lvl="1"/>
@@ -5099,81 +5605,6 @@
             <a:r>
               <a:rPr lang="en-US" sz="2600" dirty="0"/>
               <a:t>Intel i5 10th Gen or higher/8gb Ram </a:t>
-            </a:r>
-          </a:p>
-          <a:p>
-            <a:pPr marL="0" indent="0">
-              <a:buNone/>
-            </a:pPr>
-            <a:r>
-              <a:rPr lang="en-US" sz="2600" b="1" dirty="0"/>
-              <a:t>Software Requirements:</a:t>
-            </a:r>
-          </a:p>
-          <a:p>
-            <a:pPr lvl="1"/>
-            <a:r>
-              <a:rPr lang="en-US" sz="2600" dirty="0"/>
-              <a:t>Python</a:t>
-            </a:r>
-          </a:p>
-          <a:p>
-            <a:pPr lvl="1"/>
-            <a:r>
-              <a:rPr lang="en-US" sz="2600" dirty="0"/>
-              <a:t>Flask/Android/Flutter</a:t>
-            </a:r>
-          </a:p>
-          <a:p>
-            <a:pPr lvl="1"/>
-            <a:r>
-              <a:rPr lang="en-US" sz="2600" dirty="0"/>
-              <a:t>HTML</a:t>
-            </a:r>
-          </a:p>
-          <a:p>
-            <a:pPr lvl="1"/>
-            <a:r>
-              <a:rPr lang="en-US" sz="2600" dirty="0"/>
-              <a:t>CSS</a:t>
-            </a:r>
-          </a:p>
-          <a:p>
-            <a:pPr lvl="1"/>
-            <a:r>
-              <a:rPr lang="en-US" sz="2600" dirty="0"/>
-              <a:t>JavaScript</a:t>
-            </a:r>
-          </a:p>
-          <a:p>
-            <a:pPr lvl="1"/>
-            <a:r>
-              <a:rPr lang="en-US" sz="2600" dirty="0"/>
-              <a:t>Packages: </a:t>
-            </a:r>
-            <a:r>
-              <a:rPr lang="en-US" sz="2600" dirty="0" err="1"/>
-              <a:t>SKlearn</a:t>
-            </a:r>
-            <a:r>
-              <a:rPr lang="en-US" sz="2600" dirty="0"/>
-              <a:t>, </a:t>
-            </a:r>
-            <a:r>
-              <a:rPr lang="en-US" sz="2600" dirty="0" err="1"/>
-              <a:t>Geopy</a:t>
-            </a:r>
-            <a:r>
-              <a:rPr lang="en-US" sz="2600" dirty="0"/>
-              <a:t>, </a:t>
-            </a:r>
-            <a:r>
-              <a:rPr lang="en-US" sz="2600" dirty="0" err="1"/>
-              <a:t>Numpy</a:t>
-            </a:r>
-            <a:r>
-              <a:rPr lang="en-US" sz="2600" dirty="0"/>
-              <a:t>, Pandas.</a:t>
             </a:r>
           </a:p>
           <a:p>
@@ -5267,6 +5698,303 @@
           </a:prstGeom>
         </p:spPr>
       </p:pic>
+      <p:sp>
+        <p:nvSpPr>
+          <p:cNvPr id="2" name="TextBox 1"/>
+          <p:cNvSpPr txBox="1"/>
+          <p:nvPr/>
+        </p:nvSpPr>
+        <p:spPr>
+          <a:xfrm>
+            <a:off x="452717" y="2625634"/>
+            <a:ext cx="5673763" cy="3357842"/>
+          </a:xfrm>
+          <a:prstGeom prst="rect">
+            <a:avLst/>
+          </a:prstGeom>
+          <a:noFill/>
+        </p:spPr>
+        <p:txBody>
+          <a:bodyPr wrap="square" rtlCol="0">
+            <a:spAutoFit/>
+          </a:bodyPr>
+          <a:lstStyle/>
+          <a:p>
+            <a:pPr lvl="0">
+              <a:lnSpc>
+                <a:spcPct val="90000"/>
+              </a:lnSpc>
+              <a:spcBef>
+                <a:spcPts val="1000"/>
+              </a:spcBef>
+            </a:pPr>
+            <a:r>
+              <a:rPr lang="en-US" sz="2600" b="1" dirty="0">
+                <a:solidFill>
+                  <a:prstClr val="black"/>
+                </a:solidFill>
+              </a:rPr>
+              <a:t>Software Requirements:</a:t>
+            </a:r>
+          </a:p>
+          <a:p>
+            <a:pPr marL="685800" lvl="1" indent="-228600">
+              <a:lnSpc>
+                <a:spcPct val="90000"/>
+              </a:lnSpc>
+              <a:spcBef>
+                <a:spcPts val="500"/>
+              </a:spcBef>
+              <a:buFont typeface="Arial" panose="020B0604020202020204" pitchFamily="34" charset="0"/>
+              <a:buChar char="•"/>
+            </a:pPr>
+            <a:r>
+              <a:rPr lang="en-US" sz="2600" dirty="0">
+                <a:solidFill>
+                  <a:prstClr val="black"/>
+                </a:solidFill>
+              </a:rPr>
+              <a:t>Python</a:t>
+            </a:r>
+          </a:p>
+          <a:p>
+            <a:pPr marL="685800" lvl="1" indent="-228600">
+              <a:lnSpc>
+                <a:spcPct val="90000"/>
+              </a:lnSpc>
+              <a:spcBef>
+                <a:spcPts val="500"/>
+              </a:spcBef>
+              <a:buFont typeface="Arial" panose="020B0604020202020204" pitchFamily="34" charset="0"/>
+              <a:buChar char="•"/>
+            </a:pPr>
+            <a:r>
+              <a:rPr lang="en-US" sz="2600" dirty="0">
+                <a:solidFill>
+                  <a:prstClr val="black"/>
+                </a:solidFill>
+              </a:rPr>
+              <a:t>Flask/Android/Flutter</a:t>
+            </a:r>
+          </a:p>
+          <a:p>
+            <a:pPr marL="685800" lvl="1" indent="-228600">
+              <a:lnSpc>
+                <a:spcPct val="90000"/>
+              </a:lnSpc>
+              <a:spcBef>
+                <a:spcPts val="500"/>
+              </a:spcBef>
+              <a:buFont typeface="Arial" panose="020B0604020202020204" pitchFamily="34" charset="0"/>
+              <a:buChar char="•"/>
+            </a:pPr>
+            <a:r>
+              <a:rPr lang="en-US" sz="2600" dirty="0">
+                <a:solidFill>
+                  <a:prstClr val="black"/>
+                </a:solidFill>
+              </a:rPr>
+              <a:t>HTML</a:t>
+            </a:r>
+          </a:p>
+          <a:p>
+            <a:pPr marL="685800" lvl="1" indent="-228600">
+              <a:lnSpc>
+                <a:spcPct val="90000"/>
+              </a:lnSpc>
+              <a:spcBef>
+                <a:spcPts val="500"/>
+              </a:spcBef>
+              <a:buFont typeface="Arial" panose="020B0604020202020204" pitchFamily="34" charset="0"/>
+              <a:buChar char="•"/>
+            </a:pPr>
+            <a:r>
+              <a:rPr lang="en-US" sz="2600" dirty="0">
+                <a:solidFill>
+                  <a:prstClr val="black"/>
+                </a:solidFill>
+              </a:rPr>
+              <a:t>CSS</a:t>
+            </a:r>
+          </a:p>
+          <a:p>
+            <a:pPr marL="685800" lvl="1" indent="-228600">
+              <a:lnSpc>
+                <a:spcPct val="90000"/>
+              </a:lnSpc>
+              <a:spcBef>
+                <a:spcPts val="500"/>
+              </a:spcBef>
+              <a:buFont typeface="Arial" panose="020B0604020202020204" pitchFamily="34" charset="0"/>
+              <a:buChar char="•"/>
+            </a:pPr>
+            <a:r>
+              <a:rPr lang="en-US" sz="2600" dirty="0">
+                <a:solidFill>
+                  <a:prstClr val="black"/>
+                </a:solidFill>
+              </a:rPr>
+              <a:t>JavaScript</a:t>
+            </a:r>
+          </a:p>
+          <a:p>
+            <a:pPr marL="685800" lvl="1" indent="-228600">
+              <a:lnSpc>
+                <a:spcPct val="90000"/>
+              </a:lnSpc>
+              <a:spcBef>
+                <a:spcPts val="500"/>
+              </a:spcBef>
+              <a:buFont typeface="Arial" panose="020B0604020202020204" pitchFamily="34" charset="0"/>
+              <a:buChar char="•"/>
+            </a:pPr>
+            <a:r>
+              <a:rPr lang="en-US" sz="2600" dirty="0">
+                <a:solidFill>
+                  <a:prstClr val="black"/>
+                </a:solidFill>
+              </a:rPr>
+              <a:t>Packages: </a:t>
+            </a:r>
+            <a:r>
+              <a:rPr lang="en-US" sz="2600" dirty="0" err="1">
+                <a:solidFill>
+                  <a:prstClr val="black"/>
+                </a:solidFill>
+              </a:rPr>
+              <a:t>SKlearn</a:t>
+            </a:r>
+            <a:r>
+              <a:rPr lang="en-US" sz="2600" dirty="0">
+                <a:solidFill>
+                  <a:prstClr val="black"/>
+                </a:solidFill>
+              </a:rPr>
+              <a:t>, </a:t>
+            </a:r>
+            <a:r>
+              <a:rPr lang="en-US" sz="2600" dirty="0" err="1">
+                <a:solidFill>
+                  <a:prstClr val="black"/>
+                </a:solidFill>
+              </a:rPr>
+              <a:t>Geopy</a:t>
+            </a:r>
+            <a:r>
+              <a:rPr lang="en-US" sz="2600" dirty="0">
+                <a:solidFill>
+                  <a:prstClr val="black"/>
+                </a:solidFill>
+              </a:rPr>
+              <a:t>, </a:t>
+            </a:r>
+            <a:r>
+              <a:rPr lang="en-US" sz="2600" dirty="0" err="1">
+                <a:solidFill>
+                  <a:prstClr val="black"/>
+                </a:solidFill>
+              </a:rPr>
+              <a:t>Numpy</a:t>
+            </a:r>
+            <a:r>
+              <a:rPr lang="en-US" sz="2600" dirty="0">
+                <a:solidFill>
+                  <a:prstClr val="black"/>
+                </a:solidFill>
+              </a:rPr>
+              <a:t>, Pandas.</a:t>
+            </a:r>
+            <a:endParaRPr lang="en-US" sz="2600" dirty="0">
+              <a:solidFill>
+                <a:prstClr val="black"/>
+              </a:solidFill>
+            </a:endParaRPr>
+          </a:p>
+        </p:txBody>
+      </p:sp>
+      <p:sp>
+        <p:nvSpPr>
+          <p:cNvPr id="5" name="TextBox 4"/>
+          <p:cNvSpPr txBox="1"/>
+          <p:nvPr/>
+        </p:nvSpPr>
+        <p:spPr>
+          <a:xfrm>
+            <a:off x="6126480" y="2625634"/>
+            <a:ext cx="5199018" cy="2092881"/>
+          </a:xfrm>
+          <a:prstGeom prst="rect">
+            <a:avLst/>
+          </a:prstGeom>
+          <a:noFill/>
+        </p:spPr>
+        <p:txBody>
+          <a:bodyPr wrap="square" rtlCol="0">
+            <a:spAutoFit/>
+          </a:bodyPr>
+          <a:lstStyle/>
+          <a:p>
+            <a:r>
+              <a:rPr lang="en-US" sz="2600" b="1" dirty="0"/>
+              <a:t>libraries for visualization:</a:t>
+            </a:r>
+          </a:p>
+          <a:p>
+            <a:pPr marL="457200" indent="-457200">
+              <a:buFont typeface="Arial" panose="020B0604020202020204" pitchFamily="34" charset="0"/>
+              <a:buChar char="•"/>
+            </a:pPr>
+            <a:r>
+              <a:rPr lang="en-US" sz="2600" dirty="0" smtClean="0"/>
+              <a:t>Zing </a:t>
+            </a:r>
+            <a:r>
+              <a:rPr lang="en-US" sz="2600" dirty="0"/>
+              <a:t>charts</a:t>
+            </a:r>
+          </a:p>
+          <a:p>
+            <a:pPr marL="457200" indent="-457200">
+              <a:buFont typeface="Arial" panose="020B0604020202020204" pitchFamily="34" charset="0"/>
+              <a:buChar char="•"/>
+            </a:pPr>
+            <a:r>
+              <a:rPr lang="en-US" sz="2600" dirty="0" smtClean="0"/>
+              <a:t>Folium</a:t>
+            </a:r>
+            <a:endParaRPr lang="en-US" sz="2600" dirty="0"/>
+          </a:p>
+          <a:p>
+            <a:pPr marL="457200" indent="-457200">
+              <a:buFont typeface="Arial" panose="020B0604020202020204" pitchFamily="34" charset="0"/>
+              <a:buChar char="•"/>
+            </a:pPr>
+            <a:r>
+              <a:rPr lang="en-US" sz="2600" dirty="0" smtClean="0"/>
+              <a:t>AM </a:t>
+            </a:r>
+            <a:r>
+              <a:rPr lang="en-US" sz="2600" dirty="0"/>
+              <a:t>charts</a:t>
+            </a:r>
+          </a:p>
+          <a:p>
+            <a:pPr marL="457200" indent="-457200">
+              <a:buFont typeface="Arial" panose="020B0604020202020204" pitchFamily="34" charset="0"/>
+              <a:buChar char="•"/>
+            </a:pPr>
+            <a:r>
+              <a:rPr lang="en-US" sz="2600" dirty="0" smtClean="0"/>
+              <a:t>Google </a:t>
+            </a:r>
+            <a:r>
+              <a:rPr lang="en-US" sz="2600" dirty="0"/>
+              <a:t>Maps Embed API</a:t>
+            </a:r>
+            <a:endParaRPr lang="en-IN" sz="2600" dirty="0"/>
+          </a:p>
+        </p:txBody>
+      </p:sp>
     </p:spTree>
     <p:extLst>
       <p:ext uri="{BB962C8B-B14F-4D97-AF65-F5344CB8AC3E}">
@@ -5287,7 +6015,7 @@
 </p:sld>
 </file>
 
-<file path=ppt/slides/slide15.xml><?xml version="1.0" encoding="utf-8"?>
+<file path=ppt/slides/slide17.xml><?xml version="1.0" encoding="utf-8"?>
 <p:sld xmlns:a="http://schemas.openxmlformats.org/drawingml/2006/main" xmlns:r="http://schemas.openxmlformats.org/officeDocument/2006/relationships" xmlns:p="http://schemas.openxmlformats.org/presentationml/2006/main">
   <p:cSld>
     <p:spTree>
@@ -5336,7 +6064,7 @@
               <a:buNone/>
             </a:pPr>
             <a:r>
-              <a:rPr lang="en-US" b="1" dirty="0" smtClean="0">
+              <a:rPr lang="en-US" b="1" dirty="0">
                 <a:solidFill>
                   <a:srgbClr val="C00000"/>
                 </a:solidFill>
@@ -5348,7 +6076,7 @@
             <a:pPr marL="0" indent="0" algn="ctr">
               <a:buNone/>
             </a:pPr>
-            <a:endParaRPr lang="en-US" sz="1000" b="1" dirty="0" smtClean="0">
+            <a:endParaRPr lang="en-US" sz="1000" b="1" dirty="0">
               <a:solidFill>
                 <a:srgbClr val="C00000"/>
               </a:solidFill>
@@ -5490,11 +6218,11 @@
               <a:buAutoNum type="arabicPeriod"/>
             </a:pPr>
             <a:r>
-              <a:rPr lang="en-US" sz="2400" dirty="0" err="1" smtClean="0"/>
+              <a:rPr lang="en-US" sz="2400" dirty="0" err="1"/>
               <a:t>Tapan</a:t>
             </a:r>
             <a:r>
-              <a:rPr lang="en-US" sz="2400" dirty="0" smtClean="0"/>
+              <a:rPr lang="en-US" sz="2400" dirty="0"/>
               <a:t> </a:t>
             </a:r>
             <a:r>
@@ -5503,15 +6231,7 @@
             </a:r>
             <a:r>
               <a:rPr lang="en-US" sz="2400" dirty="0"/>
-              <a:t> Alternative to Crime Trend Analysis in </a:t>
-            </a:r>
-            <a:r>
-              <a:rPr lang="en-US" sz="2400" dirty="0" smtClean="0"/>
-              <a:t>India. https</a:t>
-            </a:r>
-            <a:r>
-              <a:rPr lang="en-US" sz="2400" dirty="0"/>
-              <a:t>://www.satp.org/satporgtp/publication/faultlines/volume14/article5.htm</a:t>
+              <a:t> Alternative to Crime Trend Analysis in India. https://www.satp.org/satporgtp/publication/faultlines/volume14/article5.htm</a:t>
             </a:r>
           </a:p>
           <a:p>
@@ -5768,7 +6488,7 @@
               <a:buNone/>
             </a:pPr>
             <a:r>
-              <a:rPr lang="en-US" b="1" dirty="0" smtClean="0">
+              <a:rPr lang="en-US" b="1" dirty="0">
                 <a:solidFill>
                   <a:srgbClr val="C00000"/>
                 </a:solidFill>
@@ -5970,7 +6690,7 @@
               <a:buNone/>
             </a:pPr>
             <a:r>
-              <a:rPr lang="en-US" b="1" dirty="0" smtClean="0">
+              <a:rPr lang="en-US" b="1" dirty="0">
                 <a:solidFill>
                   <a:srgbClr val="C00000"/>
                 </a:solidFill>
@@ -6175,15 +6895,7 @@
                   <a:srgbClr val="C00000"/>
                 </a:solidFill>
               </a:rPr>
-              <a:t>PROPOSED </a:t>
-            </a:r>
-            <a:r>
-              <a:rPr lang="en-US" b="1" dirty="0" smtClean="0">
-                <a:solidFill>
-                  <a:srgbClr val="C00000"/>
-                </a:solidFill>
-              </a:rPr>
-              <a:t>SYSTEM</a:t>
+              <a:t>PROPOSED SYSTEM</a:t>
             </a:r>
           </a:p>
           <a:p>
@@ -6366,8 +7078,8 @@
         </p:nvSpPr>
         <p:spPr>
           <a:xfrm>
-            <a:off x="452717" y="205740"/>
-            <a:ext cx="10959354" cy="6515735"/>
+            <a:off x="452717" y="205741"/>
+            <a:ext cx="10959354" cy="6320566"/>
           </a:xfrm>
         </p:spPr>
         <p:txBody>
@@ -6385,15 +7097,7 @@
                   <a:srgbClr val="C00000"/>
                 </a:solidFill>
               </a:rPr>
-              <a:t>PROJECT </a:t>
-            </a:r>
-            <a:r>
-              <a:rPr lang="en-US" b="1" dirty="0" smtClean="0">
-                <a:solidFill>
-                  <a:srgbClr val="C00000"/>
-                </a:solidFill>
-              </a:rPr>
-              <a:t>WORKFLOW/METHODOLOGY</a:t>
+              <a:t>PROJECT WORKFLOW/METHODOLOGY</a:t>
             </a:r>
           </a:p>
           <a:p>
@@ -6423,7 +7127,15 @@
             </a:pPr>
             <a:r>
               <a:rPr lang="en-US" dirty="0"/>
-              <a:t>From :National Crime Records Bureau(NRCB)</a:t>
+              <a:t>From :National Crime Records </a:t>
+            </a:r>
+            <a:r>
+              <a:rPr lang="en-US" dirty="0" smtClean="0"/>
+              <a:t>Bureau(NCRB</a:t>
+            </a:r>
+            <a:r>
+              <a:rPr lang="en-US" dirty="0"/>
+              <a:t>)</a:t>
             </a:r>
           </a:p>
           <a:p>
@@ -6435,52 +7147,64 @@
             </a:pPr>
             <a:r>
               <a:rPr lang="en-US" dirty="0"/>
-              <a:t> </a:t>
+              <a:t>    Website link: https://ncrb.gov.in/en</a:t>
+            </a:r>
+          </a:p>
+          <a:p>
+            <a:r>
+              <a:rPr lang="en-US" dirty="0"/>
+              <a:t>Structure: Consists of </a:t>
             </a:r>
             <a:r>
               <a:rPr lang="en-US" dirty="0" smtClean="0"/>
-              <a:t>   Website </a:t>
+              <a:t>latest </a:t>
+            </a:r>
+            <a:r>
+              <a:rPr lang="en-US" dirty="0" smtClean="0"/>
+              <a:t>data </a:t>
             </a:r>
             <a:r>
               <a:rPr lang="en-US" dirty="0"/>
-              <a:t>link: https://ncrb.gov.in/en</a:t>
+              <a:t>of IPC Crimes from 2017-2020 across all the states and holds records of all different IPC crimes.</a:t>
+            </a:r>
+          </a:p>
+          <a:p>
+            <a:pPr marL="0" indent="0">
+              <a:buNone/>
+            </a:pPr>
+            <a:endParaRPr lang="en-US" sz="1200" dirty="0"/>
+          </a:p>
+          <a:p>
+            <a:pPr marL="0" indent="0">
+              <a:buNone/>
+            </a:pPr>
+            <a:r>
+              <a:rPr lang="en-US" b="1" dirty="0"/>
+              <a:t>2. Data Refining and Preprocessing:</a:t>
             </a:r>
           </a:p>
           <a:p>
             <a:r>
               <a:rPr lang="en-US" dirty="0"/>
-              <a:t>Structure: Consists of data of IPC </a:t>
-            </a:r>
-            <a:r>
-              <a:rPr lang="en-US"/>
-              <a:t>Crimes </a:t>
-            </a:r>
-            <a:r>
-              <a:rPr lang="en-US" smtClean="0"/>
-              <a:t>from 2017-2020 </a:t>
-            </a:r>
+              <a:t>Extracting data of the Maharashtra state.</a:t>
+            </a:r>
+          </a:p>
+          <a:p>
             <a:r>
               <a:rPr lang="en-US" dirty="0"/>
-              <a:t>Across all the states and holds records of all different IPC crimes</a:t>
-            </a:r>
-            <a:r>
-              <a:rPr lang="en-US" dirty="0" smtClean="0"/>
-              <a:t>.</a:t>
-            </a:r>
+              <a:t>Removing inconsistencies in data across the years and normalizing the data for ML Models.</a:t>
+            </a:r>
+          </a:p>
+          <a:p>
+            <a:endParaRPr lang="en-US" sz="1200" dirty="0"/>
           </a:p>
           <a:p>
             <a:pPr marL="0" indent="0">
               <a:buNone/>
             </a:pPr>
-            <a:endParaRPr lang="en-US" sz="1200" dirty="0"/>
-          </a:p>
-          <a:p>
-            <a:pPr marL="0" indent="0">
-              <a:buNone/>
-            </a:pPr>
             <a:r>
               <a:rPr lang="en-US" b="1" dirty="0"/>
-              <a:t>2. Data Analysis:</a:t>
+              <a:t>3. Data Analysis:</a:t>
             </a:r>
           </a:p>
           <a:p>
@@ -6498,52 +7222,14 @@
           <a:p>
             <a:r>
               <a:rPr lang="en-US" dirty="0"/>
-              <a:t>Selecting appropriate Models on the basis of data for ML</a:t>
-            </a:r>
-            <a:r>
-              <a:rPr lang="en-US" dirty="0" smtClean="0"/>
-              <a:t>.</a:t>
+              <a:t>Selecting appropriate Models on the basis of data for ML.</a:t>
             </a:r>
           </a:p>
           <a:p>
             <a:pPr marL="0" indent="0">
               <a:buNone/>
             </a:pPr>
-            <a:endParaRPr lang="en-US" sz="1200" dirty="0" smtClean="0"/>
-          </a:p>
-          <a:p>
-            <a:pPr marL="0" indent="0">
-              <a:buNone/>
-            </a:pPr>
-            <a:r>
-              <a:rPr lang="en-US" b="1" dirty="0"/>
-              <a:t>3. Data Refining and Preprocessing:</a:t>
-            </a:r>
-          </a:p>
-          <a:p>
-            <a:r>
-              <a:rPr lang="en-US" dirty="0"/>
-              <a:t>Extracting data of the Maharashtra state.</a:t>
-            </a:r>
-          </a:p>
-          <a:p>
-            <a:r>
-              <a:rPr lang="en-US" dirty="0"/>
-              <a:t>Removing inconsistencies in data across the </a:t>
-            </a:r>
-            <a:r>
-              <a:rPr lang="en-US" dirty="0" smtClean="0"/>
-              <a:t>years and normalizing </a:t>
-            </a:r>
-            <a:r>
-              <a:rPr lang="en-US" dirty="0"/>
-              <a:t>the data for ML Models</a:t>
-            </a:r>
-            <a:r>
-              <a:rPr lang="en-US" dirty="0" smtClean="0"/>
-              <a:t>.</a:t>
-            </a:r>
-            <a:endParaRPr lang="en-US" dirty="0"/>
+            <a:endParaRPr lang="en-US" sz="1200" dirty="0"/>
           </a:p>
           <a:p>
             <a:pPr marL="0" indent="0">
@@ -6715,19 +7401,15 @@
             <a:pPr marL="0" indent="0">
               <a:buNone/>
             </a:pPr>
-            <a:endParaRPr lang="en-US" dirty="0" smtClean="0"/>
+            <a:endParaRPr lang="en-US" dirty="0"/>
           </a:p>
           <a:p>
             <a:pPr marL="0" indent="0">
               <a:buNone/>
             </a:pPr>
             <a:r>
-              <a:rPr lang="en-US" sz="2600" b="1" dirty="0" smtClean="0"/>
-              <a:t>4</a:t>
-            </a:r>
-            <a:r>
               <a:rPr lang="en-US" sz="2600" b="1" dirty="0"/>
-              <a:t>. Creating Models using machine learning :</a:t>
+              <a:t>4. Creating Models using machine learning :</a:t>
             </a:r>
           </a:p>
           <a:p>
@@ -6745,12 +7427,13 @@
           <a:p>
             <a:r>
               <a:rPr lang="en-US" sz="2600" dirty="0"/>
-              <a:t>Area crime rate prediction using classification</a:t>
+              <a:t>Area crime rate prediction using </a:t>
             </a:r>
             <a:r>
               <a:rPr lang="en-US" sz="2600" dirty="0" smtClean="0"/>
-              <a:t>.</a:t>
-            </a:r>
+              <a:t>regression.</a:t>
+            </a:r>
+            <a:endParaRPr lang="en-US" sz="2600" dirty="0"/>
           </a:p>
           <a:p>
             <a:endParaRPr lang="en-US" sz="2600" dirty="0"/>
@@ -6942,18 +7625,29 @@
               <a:buNone/>
             </a:pPr>
             <a:r>
+              <a:rPr lang="en-US" b="1" dirty="0" smtClean="0">
+                <a:solidFill>
+                  <a:srgbClr val="C00000"/>
+                </a:solidFill>
+              </a:rPr>
+              <a:t>CRIME </a:t>
+            </a:r>
+            <a:r>
+              <a:rPr lang="en-US" b="1" dirty="0" smtClean="0">
+                <a:solidFill>
+                  <a:srgbClr val="C00000"/>
+                </a:solidFill>
+              </a:rPr>
+              <a:t>RATE ANALYSIS </a:t>
+            </a:r>
+            <a:r>
               <a:rPr lang="en-US" b="1" dirty="0">
                 <a:solidFill>
                   <a:srgbClr val="C00000"/>
                 </a:solidFill>
               </a:rPr>
-              <a:t>CRIME RATE DENSITY ANALYSIS USING CLUSTERING </a:t>
-            </a:r>
-            <a:endParaRPr lang="en-US" b="1" dirty="0" smtClean="0">
-              <a:solidFill>
-                <a:srgbClr val="C00000"/>
-              </a:solidFill>
-            </a:endParaRPr>
+              <a:t>USING CLUSTERING </a:t>
+            </a:r>
           </a:p>
           <a:p>
             <a:pPr marL="0" indent="0" algn="ctr">
@@ -6966,6 +7660,11 @@
             </a:endParaRPr>
           </a:p>
           <a:p>
+            <a:pPr>
+              <a:lnSpc>
+                <a:spcPct val="100000"/>
+              </a:lnSpc>
+            </a:pPr>
             <a:r>
               <a:rPr lang="en-US" sz="2600" dirty="0"/>
               <a:t>In clustering, the data items are clustered according to their </a:t>
@@ -6976,10 +7675,20 @@
             </a:r>
             <a:r>
               <a:rPr lang="en-US" sz="2600" dirty="0"/>
-              <a:t>or natural groupings and a structure as a whole is generated.</a:t>
-            </a:r>
-          </a:p>
-          <a:p>
+              <a:t>or natural groupings and a structure as a whole is generated</a:t>
+            </a:r>
+            <a:r>
+              <a:rPr lang="en-US" sz="2600" dirty="0" smtClean="0"/>
+              <a:t>.</a:t>
+            </a:r>
+            <a:endParaRPr lang="en-US" sz="2600" dirty="0"/>
+          </a:p>
+          <a:p>
+            <a:pPr>
+              <a:lnSpc>
+                <a:spcPct val="100000"/>
+              </a:lnSpc>
+            </a:pPr>
             <a:r>
               <a:rPr lang="en-US" sz="2600" dirty="0"/>
               <a:t>Each cluster is </a:t>
@@ -6997,26 +7706,51 @@
               <a:t>similar to each other</a:t>
             </a:r>
             <a:r>
+              <a:rPr lang="en-US" sz="2600" dirty="0"/>
+              <a:t>.	</a:t>
+            </a:r>
+            <a:endParaRPr lang="en-US" sz="2600" dirty="0" smtClean="0"/>
+          </a:p>
+          <a:p>
+            <a:pPr>
+              <a:lnSpc>
+                <a:spcPct val="100000"/>
+              </a:lnSpc>
+            </a:pPr>
+            <a:r>
               <a:rPr lang="en-US" sz="2600" dirty="0" smtClean="0"/>
-              <a:t>.</a:t>
-            </a:r>
-            <a:r>
-              <a:rPr lang="en-US" sz="2600" dirty="0"/>
-              <a:t>		</a:t>
+              <a:t>In crime analysis clustering can help identify </a:t>
             </a:r>
           </a:p>
           <a:p>
             <a:pPr marL="0" indent="0">
-              <a:buNone/>
-            </a:pPr>
-            <a:r>
-              <a:rPr lang="en-US" sz="2600" dirty="0"/>
-              <a:t>Example</a:t>
-            </a:r>
+              <a:lnSpc>
+                <a:spcPct val="100000"/>
+              </a:lnSpc>
+              <a:buNone/>
+            </a:pPr>
             <a:r>
               <a:rPr lang="en-US" sz="2600" dirty="0" smtClean="0"/>
-              <a:t>:</a:t>
-            </a:r>
+              <a:t>   certain crime patterns with different crimes </a:t>
+            </a:r>
+          </a:p>
+          <a:p>
+            <a:pPr marL="0" indent="0">
+              <a:lnSpc>
+                <a:spcPct val="100000"/>
+              </a:lnSpc>
+              <a:buNone/>
+            </a:pPr>
+            <a:r>
+              <a:rPr lang="en-US" sz="2600" dirty="0" smtClean="0"/>
+              <a:t>   and factors.</a:t>
+            </a:r>
+            <a:endParaRPr lang="en-US" sz="2600" dirty="0"/>
+          </a:p>
+          <a:p>
+            <a:pPr marL="0" indent="0">
+              <a:buNone/>
+            </a:pPr>
             <a:endParaRPr lang="en-US" dirty="0"/>
           </a:p>
           <a:p>
@@ -7106,13 +7840,19 @@
       </p:pic>
       <p:pic>
         <p:nvPicPr>
-          <p:cNvPr id="5" name="Google Shape;138;p16"/>
-          <p:cNvPicPr preferRelativeResize="0"/>
+          <p:cNvPr id="2" name="Picture 1"/>
+          <p:cNvPicPr>
+            <a:picLocks noChangeAspect="1"/>
+          </p:cNvPicPr>
           <p:nvPr/>
         </p:nvPicPr>
         <p:blipFill>
           <a:blip r:embed="rId3">
-            <a:alphaModFix/>
+            <a:extLst>
+              <a:ext uri="{28A0092B-C50C-407E-A947-70E740481C1C}">
+                <a14:useLocalDpi xmlns:a14="http://schemas.microsoft.com/office/drawing/2010/main" val="0"/>
+              </a:ext>
+            </a:extLst>
           </a:blip>
           <a:stretch>
             <a:fillRect/>
@@ -7120,349 +7860,14 @@
         </p:blipFill>
         <p:spPr>
           <a:xfrm>
-            <a:off x="886860" y="3153446"/>
-            <a:ext cx="4458821" cy="3202904"/>
+            <a:off x="6996192" y="2560319"/>
+            <a:ext cx="4154622" cy="3761105"/>
           </a:xfrm>
           <a:prstGeom prst="rect">
             <a:avLst/>
           </a:prstGeom>
-          <a:noFill/>
-          <a:ln>
-            <a:noFill/>
-          </a:ln>
         </p:spPr>
       </p:pic>
-      <p:grpSp>
-        <p:nvGrpSpPr>
-          <p:cNvPr id="10" name="Google Shape;135;p16"/>
-          <p:cNvGrpSpPr/>
-          <p:nvPr/>
-        </p:nvGrpSpPr>
-        <p:grpSpPr>
-          <a:xfrm>
-            <a:off x="5779826" y="3487783"/>
-            <a:ext cx="4697676" cy="1593667"/>
-            <a:chOff x="7473652" y="3786400"/>
-            <a:chExt cx="4347004" cy="1408527"/>
-          </a:xfrm>
-        </p:grpSpPr>
-        <p:sp>
-          <p:nvSpPr>
-            <p:cNvPr id="11" name="Google Shape;136;p16"/>
-            <p:cNvSpPr txBox="1"/>
-            <p:nvPr/>
-          </p:nvSpPr>
-          <p:spPr>
-            <a:xfrm>
-              <a:off x="7473655" y="4401925"/>
-              <a:ext cx="4347001" cy="793002"/>
-            </a:xfrm>
-            <a:prstGeom prst="rect">
-              <a:avLst/>
-            </a:prstGeom>
-            <a:noFill/>
-            <a:ln w="9525" cap="flat" cmpd="sng">
-              <a:solidFill>
-                <a:srgbClr val="000000"/>
-              </a:solidFill>
-              <a:prstDash val="solid"/>
-              <a:round/>
-              <a:headEnd type="none" w="sm" len="sm"/>
-              <a:tailEnd type="none" w="sm" len="sm"/>
-            </a:ln>
-          </p:spPr>
-          <p:txBody>
-            <a:bodyPr spcFirstLastPara="1" wrap="square" lIns="91425" tIns="91425" rIns="91425" bIns="91425" anchor="t" anchorCtr="0">
-              <a:spAutoFit/>
-            </a:bodyPr>
-            <a:lstStyle/>
-            <a:p>
-              <a:pPr marL="457200" marR="0" lvl="0" indent="-298450" defTabSz="914400" eaLnBrk="1" fontAlgn="auto" latinLnBrk="0" hangingPunct="1">
-                <a:lnSpc>
-                  <a:spcPct val="100000"/>
-                </a:lnSpc>
-                <a:spcBef>
-                  <a:spcPts val="0"/>
-                </a:spcBef>
-                <a:spcAft>
-                  <a:spcPts val="0"/>
-                </a:spcAft>
-                <a:buClr>
-                  <a:srgbClr val="DF2E28"/>
-                </a:buClr>
-                <a:buSzPts val="1100"/>
-                <a:buFont typeface="Century Gothic"/>
-                <a:buChar char="●"/>
-                <a:tabLst/>
-                <a:defRPr/>
-              </a:pPr>
-              <a:r>
-                <a:rPr kumimoji="0" lang="en-US" sz="1600" b="0" i="0" u="none" strike="noStrike" kern="0" cap="none" spc="0" normalizeH="0" baseline="0" noProof="0" dirty="0" smtClean="0">
-                  <a:ln>
-                    <a:noFill/>
-                  </a:ln>
-                  <a:solidFill>
-                    <a:srgbClr val="DF2E28"/>
-                  </a:solidFill>
-                  <a:effectLst/>
-                  <a:uLnTx/>
-                  <a:uFillTx/>
-                  <a:latin typeface="Century Gothic"/>
-                  <a:ea typeface="Century Gothic"/>
-                  <a:cs typeface="Century Gothic"/>
-                  <a:sym typeface="Century Gothic"/>
-                </a:rPr>
-                <a:t>Cluster 1 </a:t>
-              </a:r>
-              <a:endParaRPr kumimoji="0" sz="1600" b="0" i="0" u="none" strike="noStrike" kern="0" cap="none" spc="0" normalizeH="0" baseline="0" noProof="0" dirty="0" smtClean="0">
-                <a:ln>
-                  <a:noFill/>
-                </a:ln>
-                <a:solidFill>
-                  <a:srgbClr val="DF2E28"/>
-                </a:solidFill>
-                <a:effectLst/>
-                <a:uLnTx/>
-                <a:uFillTx/>
-                <a:latin typeface="Century Gothic"/>
-                <a:ea typeface="Century Gothic"/>
-                <a:cs typeface="Century Gothic"/>
-                <a:sym typeface="Century Gothic"/>
-              </a:endParaRPr>
-            </a:p>
-            <a:p>
-              <a:pPr marL="457200" marR="0" lvl="0" indent="-298450" defTabSz="914400" eaLnBrk="1" fontAlgn="auto" latinLnBrk="0" hangingPunct="1">
-                <a:lnSpc>
-                  <a:spcPct val="100000"/>
-                </a:lnSpc>
-                <a:spcBef>
-                  <a:spcPts val="0"/>
-                </a:spcBef>
-                <a:spcAft>
-                  <a:spcPts val="0"/>
-                </a:spcAft>
-                <a:buClr>
-                  <a:srgbClr val="38761D"/>
-                </a:buClr>
-                <a:buSzPts val="1100"/>
-                <a:buFont typeface="Century Gothic"/>
-                <a:buChar char="●"/>
-                <a:tabLst/>
-                <a:defRPr/>
-              </a:pPr>
-              <a:r>
-                <a:rPr kumimoji="0" lang="en-US" sz="1600" b="0" i="0" u="none" strike="noStrike" kern="0" cap="none" spc="0" normalizeH="0" baseline="0" noProof="0" dirty="0" smtClean="0">
-                  <a:ln>
-                    <a:noFill/>
-                  </a:ln>
-                  <a:solidFill>
-                    <a:srgbClr val="38761D"/>
-                  </a:solidFill>
-                  <a:effectLst/>
-                  <a:uLnTx/>
-                  <a:uFillTx/>
-                  <a:latin typeface="Century Gothic"/>
-                  <a:ea typeface="Century Gothic"/>
-                  <a:cs typeface="Century Gothic"/>
-                  <a:sym typeface="Century Gothic"/>
-                </a:rPr>
-                <a:t>Cluster 2 </a:t>
-              </a:r>
-              <a:endParaRPr kumimoji="0" sz="1600" b="0" i="0" u="none" strike="noStrike" kern="0" cap="none" spc="0" normalizeH="0" baseline="0" noProof="0" dirty="0" smtClean="0">
-                <a:ln>
-                  <a:noFill/>
-                </a:ln>
-                <a:solidFill>
-                  <a:srgbClr val="38761D"/>
-                </a:solidFill>
-                <a:effectLst/>
-                <a:uLnTx/>
-                <a:uFillTx/>
-                <a:latin typeface="Arial"/>
-                <a:ea typeface="Arial"/>
-                <a:cs typeface="Arial"/>
-                <a:sym typeface="Arial"/>
-              </a:endParaRPr>
-            </a:p>
-            <a:p>
-              <a:pPr marL="457200" marR="0" lvl="0" indent="-298450" defTabSz="914400" eaLnBrk="1" fontAlgn="auto" latinLnBrk="0" hangingPunct="1">
-                <a:lnSpc>
-                  <a:spcPct val="100000"/>
-                </a:lnSpc>
-                <a:spcBef>
-                  <a:spcPts val="0"/>
-                </a:spcBef>
-                <a:spcAft>
-                  <a:spcPts val="0"/>
-                </a:spcAft>
-                <a:buClr>
-                  <a:srgbClr val="000000"/>
-                </a:buClr>
-                <a:buSzPts val="1100"/>
-                <a:buFont typeface="Century Gothic"/>
-                <a:buChar char="●"/>
-                <a:tabLst/>
-                <a:defRPr/>
-              </a:pPr>
-              <a:r>
-                <a:rPr kumimoji="0" lang="en-US" sz="1600" b="0" i="0" u="none" strike="noStrike" kern="0" cap="none" spc="0" normalizeH="0" baseline="0" noProof="0" dirty="0" smtClean="0">
-                  <a:ln>
-                    <a:noFill/>
-                  </a:ln>
-                  <a:solidFill>
-                    <a:srgbClr val="0000FF"/>
-                  </a:solidFill>
-                  <a:effectLst/>
-                  <a:uLnTx/>
-                  <a:uFillTx/>
-                  <a:latin typeface="Century Gothic"/>
-                  <a:ea typeface="Century Gothic"/>
-                  <a:cs typeface="Century Gothic"/>
-                  <a:sym typeface="Century Gothic"/>
-                </a:rPr>
-                <a:t>Cluster 3</a:t>
-              </a:r>
-              <a:r>
-                <a:rPr kumimoji="0" lang="en-US" sz="1600" b="0" i="0" u="none" strike="noStrike" kern="0" cap="none" spc="0" normalizeH="0" baseline="0" noProof="0" dirty="0" smtClean="0">
-                  <a:ln>
-                    <a:noFill/>
-                  </a:ln>
-                  <a:solidFill>
-                    <a:srgbClr val="000000"/>
-                  </a:solidFill>
-                  <a:effectLst/>
-                  <a:uLnTx/>
-                  <a:uFillTx/>
-                  <a:latin typeface="Century Gothic"/>
-                  <a:ea typeface="Century Gothic"/>
-                  <a:cs typeface="Century Gothic"/>
-                  <a:sym typeface="Century Gothic"/>
-                </a:rPr>
-                <a:t> </a:t>
-              </a:r>
-              <a:endParaRPr kumimoji="0" sz="1600" b="0" i="0" u="none" strike="noStrike" kern="0" cap="none" spc="0" normalizeH="0" baseline="0" noProof="0" dirty="0" smtClean="0">
-                <a:ln>
-                  <a:noFill/>
-                </a:ln>
-                <a:solidFill>
-                  <a:srgbClr val="000000"/>
-                </a:solidFill>
-                <a:effectLst/>
-                <a:uLnTx/>
-                <a:uFillTx/>
-                <a:latin typeface="Arial"/>
-                <a:ea typeface="Arial"/>
-                <a:cs typeface="Arial"/>
-                <a:sym typeface="Arial"/>
-              </a:endParaRPr>
-            </a:p>
-          </p:txBody>
-        </p:sp>
-        <p:sp>
-          <p:nvSpPr>
-            <p:cNvPr id="12" name="Google Shape;137;p16"/>
-            <p:cNvSpPr txBox="1"/>
-            <p:nvPr/>
-          </p:nvSpPr>
-          <p:spPr>
-            <a:xfrm>
-              <a:off x="7473652" y="3786400"/>
-              <a:ext cx="4347000" cy="598420"/>
-            </a:xfrm>
-            <a:prstGeom prst="rect">
-              <a:avLst/>
-            </a:prstGeom>
-            <a:noFill/>
-            <a:ln w="9525" cap="flat" cmpd="sng">
-              <a:solidFill>
-                <a:srgbClr val="666666"/>
-              </a:solidFill>
-              <a:prstDash val="solid"/>
-              <a:round/>
-              <a:headEnd type="none" w="sm" len="sm"/>
-              <a:tailEnd type="none" w="sm" len="sm"/>
-            </a:ln>
-          </p:spPr>
-          <p:txBody>
-            <a:bodyPr spcFirstLastPara="1" wrap="square" lIns="91425" tIns="91425" rIns="91425" bIns="91425" anchor="t" anchorCtr="0">
-              <a:spAutoFit/>
-            </a:bodyPr>
-            <a:lstStyle/>
-            <a:p>
-              <a:pPr marL="0" marR="0" lvl="0" indent="0" defTabSz="914400" eaLnBrk="1" fontAlgn="auto" latinLnBrk="0" hangingPunct="1">
-                <a:lnSpc>
-                  <a:spcPct val="100000"/>
-                </a:lnSpc>
-                <a:spcBef>
-                  <a:spcPts val="0"/>
-                </a:spcBef>
-                <a:spcAft>
-                  <a:spcPts val="0"/>
-                </a:spcAft>
-                <a:buClr>
-                  <a:srgbClr val="000000"/>
-                </a:buClr>
-                <a:buSzPts val="1400"/>
-                <a:buFont typeface="Arial"/>
-                <a:buNone/>
-                <a:tabLst/>
-                <a:defRPr/>
-              </a:pPr>
-              <a:r>
-                <a:rPr kumimoji="0" lang="en-US" sz="1600" b="0" i="0" u="none" strike="noStrike" kern="0" cap="none" spc="0" normalizeH="0" baseline="0" noProof="0" dirty="0" smtClean="0">
-                  <a:ln>
-                    <a:noFill/>
-                  </a:ln>
-                  <a:solidFill>
-                    <a:srgbClr val="000000"/>
-                  </a:solidFill>
-                  <a:effectLst/>
-                  <a:uLnTx/>
-                  <a:uFillTx/>
-                  <a:latin typeface="Century Gothic"/>
-                  <a:ea typeface="Century Gothic"/>
-                  <a:cs typeface="Century Gothic"/>
-                  <a:sym typeface="Century Gothic"/>
-                </a:rPr>
-                <a:t>Clusters of Murder vs Domestic Assault for</a:t>
-              </a:r>
-              <a:r>
-                <a:rPr kumimoji="0" lang="en-US" sz="1600" b="0" i="0" u="none" strike="noStrike" kern="0" cap="none" spc="0" normalizeH="0" noProof="0" dirty="0" smtClean="0">
-                  <a:ln>
-                    <a:noFill/>
-                  </a:ln>
-                  <a:solidFill>
-                    <a:srgbClr val="000000"/>
-                  </a:solidFill>
-                  <a:effectLst/>
-                  <a:uLnTx/>
-                  <a:uFillTx/>
-                  <a:latin typeface="Century Gothic"/>
-                  <a:ea typeface="Century Gothic"/>
-                  <a:cs typeface="Century Gothic"/>
-                  <a:sym typeface="Century Gothic"/>
-                </a:rPr>
-                <a:t> year 2017</a:t>
-              </a:r>
-              <a:endParaRPr kumimoji="0" sz="1600" b="0" i="0" u="none" strike="noStrike" kern="0" cap="none" spc="0" normalizeH="0" baseline="0" noProof="0" dirty="0" smtClean="0">
-                <a:ln>
-                  <a:noFill/>
-                </a:ln>
-                <a:solidFill>
-                  <a:srgbClr val="000000"/>
-                </a:solidFill>
-                <a:effectLst/>
-                <a:uLnTx/>
-                <a:uFillTx/>
-                <a:latin typeface="Century Gothic"/>
-                <a:ea typeface="Century Gothic"/>
-                <a:cs typeface="Century Gothic"/>
-                <a:sym typeface="Century Gothic"/>
-              </a:endParaRPr>
-            </a:p>
-          </p:txBody>
-        </p:sp>
-      </p:grpSp>
     </p:spTree>
     <p:extLst>
       <p:ext uri="{BB962C8B-B14F-4D97-AF65-F5344CB8AC3E}">
@@ -7532,28 +7937,53 @@
               <a:buNone/>
             </a:pPr>
             <a:r>
-              <a:rPr lang="en-US" b="1" dirty="0">
+              <a:rPr lang="en-US" b="1" dirty="0" smtClean="0">
                 <a:solidFill>
                   <a:srgbClr val="C00000"/>
                 </a:solidFill>
               </a:rPr>
-              <a:t>AREA CRIME IDENTIFICATION USING SUPPORT VECTOR REGRESSION</a:t>
-            </a:r>
-          </a:p>
-          <a:p>
-            <a:pPr marL="0" indent="0" algn="ctr">
-              <a:buNone/>
-            </a:pPr>
-            <a:endParaRPr lang="en-US" b="1" dirty="0" smtClean="0">
+              <a:t>CRIME RATE PREDICTION USING REGRESSION</a:t>
+            </a:r>
+            <a:endParaRPr lang="en-US" b="1" dirty="0">
               <a:solidFill>
                 <a:srgbClr val="C00000"/>
               </a:solidFill>
             </a:endParaRPr>
           </a:p>
           <a:p>
+            <a:pPr marL="0" indent="0" algn="ctr">
+              <a:buNone/>
+            </a:pPr>
+            <a:endParaRPr lang="en-US" b="1" dirty="0">
+              <a:solidFill>
+                <a:srgbClr val="C00000"/>
+              </a:solidFill>
+            </a:endParaRPr>
+          </a:p>
+          <a:p>
+            <a:r>
+              <a:rPr lang="en-US" sz="2600" dirty="0"/>
+              <a:t>   </a:t>
+            </a:r>
             <a:r>
               <a:rPr lang="en-US" sz="2600" dirty="0" smtClean="0"/>
-              <a:t>   Classification can be applied to a crime dataset to predict ‘Latitude’ or ‘Longitude’ for different districts.</a:t>
+              <a:t>Regression </a:t>
+            </a:r>
+            <a:r>
+              <a:rPr lang="en-US" sz="2600" dirty="0"/>
+              <a:t>can be applied to a crime dataset to predict </a:t>
+            </a:r>
+            <a:r>
+              <a:rPr lang="en-US" sz="2600" dirty="0" smtClean="0"/>
+              <a:t>future crime rate </a:t>
+            </a:r>
+            <a:r>
+              <a:rPr lang="en-US" sz="2600" dirty="0"/>
+              <a:t>for different districts</a:t>
+            </a:r>
+            <a:r>
+              <a:rPr lang="en-US" sz="2600" dirty="0" smtClean="0"/>
+              <a:t>.</a:t>
             </a:r>
             <a:endParaRPr lang="en-US" sz="2600" dirty="0"/>
           </a:p>
@@ -7639,7 +8069,7 @@
         <p:spPr>
           <a:xfrm>
             <a:off x="452717" y="2495550"/>
-            <a:ext cx="7052983" cy="2492990"/>
+            <a:ext cx="7052983" cy="2893100"/>
           </a:xfrm>
           <a:prstGeom prst="rect">
             <a:avLst/>
@@ -7658,16 +8088,13 @@
             </a:pPr>
             <a:r>
               <a:rPr lang="en-US" sz="2600" dirty="0"/>
-              <a:t>Support Vector Regression is a supervised learning algorithm that is used to predict </a:t>
-            </a:r>
-            <a:r>
-              <a:rPr lang="en-US" sz="2600" b="1" dirty="0"/>
-              <a:t>continuous values</a:t>
-            </a:r>
-            <a:r>
-              <a:rPr lang="en-US" sz="2600" dirty="0"/>
-              <a:t>. Support Vector Regression uses the same principle as the SVMs. </a:t>
-            </a:r>
+              <a:t>An autoregressive integrated moving average, or ARIMA, is a statistical analysis model that uses time series data to either better understand the data set or to predict future trends</a:t>
+            </a:r>
+            <a:r>
+              <a:rPr lang="en-US" sz="2600" dirty="0" smtClean="0"/>
+              <a:t>.</a:t>
+            </a:r>
+            <a:endParaRPr lang="en-US" sz="2600" dirty="0"/>
           </a:p>
           <a:p>
             <a:pPr marL="457200" indent="-457200">
@@ -7675,25 +8102,36 @@
               <a:buChar char="•"/>
             </a:pPr>
             <a:r>
+              <a:rPr lang="en-US" sz="2600" dirty="0" smtClean="0"/>
+              <a:t>ARIMA </a:t>
+            </a:r>
+            <a:r>
               <a:rPr lang="en-US" sz="2600" dirty="0"/>
-              <a:t>The basic idea behind SVR is to find the </a:t>
-            </a:r>
-            <a:r>
-              <a:rPr lang="en-US" sz="2600" b="1" dirty="0"/>
-              <a:t>best fit line.</a:t>
-            </a:r>
+              <a:t>models predict future values based on past values</a:t>
+            </a:r>
+            <a:r>
+              <a:rPr lang="en-US" sz="2600" dirty="0" smtClean="0"/>
+              <a:t>.</a:t>
+            </a:r>
+            <a:endParaRPr lang="en-US" sz="2600" b="1" dirty="0"/>
           </a:p>
         </p:txBody>
       </p:sp>
       <p:pic>
         <p:nvPicPr>
-          <p:cNvPr id="8" name="Google Shape;144;p8"/>
-          <p:cNvPicPr preferRelativeResize="0"/>
+          <p:cNvPr id="2" name="Picture 1"/>
+          <p:cNvPicPr>
+            <a:picLocks noChangeAspect="1"/>
+          </p:cNvPicPr>
           <p:nvPr/>
         </p:nvPicPr>
         <p:blipFill>
           <a:blip r:embed="rId3">
-            <a:alphaModFix/>
+            <a:extLst>
+              <a:ext uri="{28A0092B-C50C-407E-A947-70E740481C1C}">
+                <a14:useLocalDpi xmlns:a14="http://schemas.microsoft.com/office/drawing/2010/main" val="0"/>
+              </a:ext>
+            </a:extLst>
           </a:blip>
           <a:stretch>
             <a:fillRect/>
@@ -7701,16 +8139,12 @@
         </p:blipFill>
         <p:spPr>
           <a:xfrm>
-            <a:off x="7836975" y="2279350"/>
-            <a:ext cx="3970400" cy="3864525"/>
+            <a:off x="7335881" y="2140676"/>
+            <a:ext cx="4059569" cy="4059569"/>
           </a:xfrm>
           <a:prstGeom prst="rect">
             <a:avLst/>
           </a:prstGeom>
-          <a:noFill/>
-          <a:ln>
-            <a:noFill/>
-          </a:ln>
         </p:spPr>
       </p:pic>
     </p:spTree>
@@ -7787,15 +8221,7 @@
                   <a:srgbClr val="C00000"/>
                 </a:solidFill>
               </a:rPr>
-              <a:t>VISUALIZATION </a:t>
-            </a:r>
-            <a:r>
-              <a:rPr lang="en-US" b="1" dirty="0" smtClean="0">
-                <a:solidFill>
-                  <a:srgbClr val="C00000"/>
-                </a:solidFill>
-              </a:rPr>
-              <a:t>– GIS </a:t>
+              <a:t>VISUALIZATION – GIS </a:t>
             </a:r>
           </a:p>
           <a:p>
@@ -7946,15 +8372,7 @@
             </a:pPr>
             <a:r>
               <a:rPr lang="en-US" sz="2600" dirty="0"/>
-              <a:t>A geographic information system </a:t>
-            </a:r>
-            <a:r>
-              <a:rPr lang="en-US" sz="2600" dirty="0" smtClean="0"/>
-              <a:t>(GIS), </a:t>
-            </a:r>
-            <a:r>
-              <a:rPr lang="en-US" sz="2600" dirty="0"/>
-              <a:t>is a system that creates, manages, analyzes, and maps all types of data. </a:t>
+              <a:t>A geographic information system (GIS), is a system that creates, manages, analyzes, and maps all types of data. </a:t>
             </a:r>
           </a:p>
           <a:p>
